--- a/학생관리프로그램_이종윤.pptx
+++ b/학생관리프로그램_이종윤.pptx
@@ -225,7 +225,7 @@
             <a:fld id="{65771C21-3757-4199-83DE-22960358A2A5}" type="datetimeFigureOut">
               <a:rPr lang="ko-KR" altLang="en-US" smtClean="0"/>
               <a:pPr/>
-              <a:t>2021-04-29</a:t>
+              <a:t>2021-04-30</a:t>
             </a:fld>
             <a:endParaRPr lang="ko-KR" altLang="en-US" dirty="0"/>
           </a:p>
@@ -560,10 +560,52 @@
               <a:defRPr/>
             </a:pPr>
             <a:r>
-              <a:rPr lang="en-US" altLang="ko-KR" sz="1200" dirty="0" smtClean="0"/>
-              <a:t>http://minheeblog.tistory.com/category/PPT</a:t>
-            </a:r>
-            <a:endParaRPr lang="ko-KR" altLang="en-US" sz="1200" dirty="0" smtClean="0"/>
+              <a:rPr lang="ko-KR" altLang="en-US" dirty="0" smtClean="0"/>
+              <a:t>안녕하십니까</a:t>
+            </a:r>
+            <a:r>
+              <a:rPr lang="en-US" altLang="ko-KR" dirty="0" smtClean="0"/>
+              <a:t>.</a:t>
+            </a:r>
+          </a:p>
+          <a:p>
+            <a:pPr marL="0" marR="0" indent="0" algn="l" defTabSz="914400" rtl="0" eaLnBrk="1" fontAlgn="auto" latinLnBrk="1" hangingPunct="1">
+              <a:lnSpc>
+                <a:spcPct val="100000"/>
+              </a:lnSpc>
+              <a:spcBef>
+                <a:spcPts val="0"/>
+              </a:spcBef>
+              <a:spcAft>
+                <a:spcPts val="0"/>
+              </a:spcAft>
+              <a:buClrTx/>
+              <a:buSzTx/>
+              <a:buFontTx/>
+              <a:buNone/>
+              <a:tabLst/>
+              <a:defRPr/>
+            </a:pPr>
+            <a:r>
+              <a:rPr lang="ko-KR" altLang="en-US" dirty="0" smtClean="0"/>
+              <a:t>이종윤 입니다</a:t>
+            </a:r>
+            <a:r>
+              <a:rPr lang="en-US" altLang="ko-KR" dirty="0" smtClean="0"/>
+              <a:t>.</a:t>
+            </a:r>
+            <a:r>
+              <a:rPr lang="en-US" altLang="ko-KR" baseline="0" dirty="0" smtClean="0"/>
+              <a:t> </a:t>
+            </a:r>
+            <a:r>
+              <a:rPr lang="ko-KR" altLang="en-US" baseline="0" dirty="0" smtClean="0"/>
+              <a:t>발표 시작하겠습니다</a:t>
+            </a:r>
+            <a:r>
+              <a:rPr lang="en-US" altLang="ko-KR" baseline="0" dirty="0" smtClean="0"/>
+              <a:t>.</a:t>
+            </a:r>
           </a:p>
           <a:p>
             <a:endParaRPr lang="ko-KR" altLang="en-US" dirty="0"/>
@@ -671,10 +713,142 @@
               <a:defRPr/>
             </a:pPr>
             <a:r>
-              <a:rPr lang="en-US" altLang="ko-KR" sz="1200" dirty="0" smtClean="0"/>
-              <a:t>http://minheeblog.tistory.com/category/PPT</a:t>
-            </a:r>
-            <a:endParaRPr lang="ko-KR" altLang="en-US" sz="1200" dirty="0" smtClean="0"/>
+              <a:rPr lang="ko-KR" altLang="en-US" dirty="0" smtClean="0"/>
+              <a:t>이제 각 프레임 별 세부 기능들을 설명 드리겠습니다</a:t>
+            </a:r>
+            <a:r>
+              <a:rPr lang="en-US" altLang="ko-KR" dirty="0" smtClean="0"/>
+              <a:t>.</a:t>
+            </a:r>
+          </a:p>
+          <a:p>
+            <a:pPr marL="0" marR="0" indent="0" algn="l" defTabSz="914400" rtl="0" eaLnBrk="1" fontAlgn="auto" latinLnBrk="1" hangingPunct="1">
+              <a:lnSpc>
+                <a:spcPct val="100000"/>
+              </a:lnSpc>
+              <a:spcBef>
+                <a:spcPts val="0"/>
+              </a:spcBef>
+              <a:spcAft>
+                <a:spcPts val="0"/>
+              </a:spcAft>
+              <a:buClrTx/>
+              <a:buSzTx/>
+              <a:buFontTx/>
+              <a:buNone/>
+              <a:tabLst/>
+              <a:defRPr/>
+            </a:pPr>
+            <a:r>
+              <a:rPr lang="ko-KR" altLang="en-US" dirty="0" smtClean="0"/>
+              <a:t>먼저 학생관리 프레임에서는</a:t>
+            </a:r>
+            <a:endParaRPr lang="en-US" altLang="ko-KR" dirty="0" smtClean="0"/>
+          </a:p>
+          <a:p>
+            <a:pPr marL="0" marR="0" indent="0" algn="l" defTabSz="914400" rtl="0" eaLnBrk="1" fontAlgn="auto" latinLnBrk="1" hangingPunct="1">
+              <a:lnSpc>
+                <a:spcPct val="100000"/>
+              </a:lnSpc>
+              <a:spcBef>
+                <a:spcPts val="0"/>
+              </a:spcBef>
+              <a:spcAft>
+                <a:spcPts val="0"/>
+              </a:spcAft>
+              <a:buClrTx/>
+              <a:buSzTx/>
+              <a:buFontTx/>
+              <a:buNone/>
+              <a:tabLst/>
+              <a:defRPr/>
+            </a:pPr>
+            <a:r>
+              <a:rPr lang="ko-KR" altLang="en-US" dirty="0" smtClean="0"/>
+              <a:t>학번 이름 반을 입력하고 추가버튼을 눌러 학생을 추가 할 수 있으며</a:t>
+            </a:r>
+            <a:r>
+              <a:rPr lang="en-US" altLang="ko-KR" dirty="0" smtClean="0"/>
+              <a:t>,</a:t>
+            </a:r>
+          </a:p>
+          <a:p>
+            <a:pPr marL="0" marR="0" indent="0" algn="l" defTabSz="914400" rtl="0" eaLnBrk="1" fontAlgn="auto" latinLnBrk="1" hangingPunct="1">
+              <a:lnSpc>
+                <a:spcPct val="100000"/>
+              </a:lnSpc>
+              <a:spcBef>
+                <a:spcPts val="0"/>
+              </a:spcBef>
+              <a:spcAft>
+                <a:spcPts val="0"/>
+              </a:spcAft>
+              <a:buClrTx/>
+              <a:buSzTx/>
+              <a:buFontTx/>
+              <a:buNone/>
+              <a:tabLst/>
+              <a:defRPr/>
+            </a:pPr>
+            <a:r>
+              <a:rPr lang="ko-KR" altLang="en-US" dirty="0" smtClean="0"/>
+              <a:t>학생 리스트에서 학생</a:t>
+            </a:r>
+            <a:r>
+              <a:rPr lang="ko-KR" altLang="en-US" baseline="0" dirty="0" smtClean="0"/>
+              <a:t> 선택하여 학생 정보 수정도 가능합니다</a:t>
+            </a:r>
+            <a:r>
+              <a:rPr lang="en-US" altLang="ko-KR" baseline="0" dirty="0" smtClean="0"/>
+              <a:t>.</a:t>
+            </a:r>
+          </a:p>
+          <a:p>
+            <a:pPr marL="0" marR="0" indent="0" algn="l" defTabSz="914400" rtl="0" eaLnBrk="1" fontAlgn="auto" latinLnBrk="1" hangingPunct="1">
+              <a:lnSpc>
+                <a:spcPct val="100000"/>
+              </a:lnSpc>
+              <a:spcBef>
+                <a:spcPts val="0"/>
+              </a:spcBef>
+              <a:spcAft>
+                <a:spcPts val="0"/>
+              </a:spcAft>
+              <a:buClrTx/>
+              <a:buSzTx/>
+              <a:buFontTx/>
+              <a:buNone/>
+              <a:tabLst/>
+              <a:defRPr/>
+            </a:pPr>
+            <a:r>
+              <a:rPr lang="ko-KR" altLang="en-US" dirty="0" smtClean="0"/>
+              <a:t>또한 학생 세부정보를</a:t>
+            </a:r>
+            <a:r>
+              <a:rPr lang="ko-KR" altLang="en-US" baseline="0" dirty="0" smtClean="0"/>
+              <a:t> 누르면 학생사진</a:t>
+            </a:r>
+            <a:r>
+              <a:rPr lang="en-US" altLang="ko-KR" baseline="0" dirty="0" smtClean="0"/>
+              <a:t>,</a:t>
+            </a:r>
+            <a:r>
+              <a:rPr lang="ko-KR" altLang="en-US" baseline="0" dirty="0" smtClean="0"/>
+              <a:t> 생년월일</a:t>
+            </a:r>
+            <a:r>
+              <a:rPr lang="en-US" altLang="ko-KR" baseline="0" dirty="0" smtClean="0"/>
+              <a:t>, </a:t>
+            </a:r>
+            <a:r>
+              <a:rPr lang="ko-KR" altLang="en-US" baseline="0" dirty="0" smtClean="0"/>
+              <a:t>성별까지 관리 할 수 있습니다</a:t>
+            </a:r>
+            <a:r>
+              <a:rPr lang="en-US" altLang="ko-KR" baseline="0" dirty="0" smtClean="0"/>
+              <a:t>.</a:t>
+            </a:r>
           </a:p>
           <a:p>
             <a:endParaRPr lang="ko-KR" altLang="en-US" dirty="0"/>
@@ -1083,10 +1257,128 @@
               <a:defRPr/>
             </a:pPr>
             <a:r>
+              <a:rPr lang="ko-KR" altLang="en-US" sz="1200" dirty="0" err="1" smtClean="0"/>
+              <a:t>학반</a:t>
+            </a:r>
+            <a:r>
+              <a:rPr lang="ko-KR" altLang="en-US" sz="1200" dirty="0" smtClean="0"/>
+              <a:t> 및 과목 프레임에서는</a:t>
+            </a:r>
+            <a:endParaRPr lang="en-US" altLang="ko-KR" sz="1200" dirty="0" smtClean="0"/>
+          </a:p>
+          <a:p>
+            <a:pPr marL="0" marR="0" indent="0" algn="l" defTabSz="914400" rtl="0" eaLnBrk="1" fontAlgn="auto" latinLnBrk="1" hangingPunct="1">
+              <a:lnSpc>
+                <a:spcPct val="100000"/>
+              </a:lnSpc>
+              <a:spcBef>
+                <a:spcPts val="0"/>
+              </a:spcBef>
+              <a:spcAft>
+                <a:spcPts val="0"/>
+              </a:spcAft>
+              <a:buClrTx/>
+              <a:buSzTx/>
+              <a:buFontTx/>
+              <a:buNone/>
+              <a:tabLst/>
+              <a:defRPr/>
+            </a:pPr>
+            <a:r>
+              <a:rPr lang="ko-KR" altLang="en-US" sz="1200" dirty="0" smtClean="0"/>
+              <a:t>과목번호</a:t>
+            </a:r>
+            <a:r>
               <a:rPr lang="en-US" altLang="ko-KR" sz="1200" dirty="0" smtClean="0"/>
-              <a:t>http://minheeblog.tistory.com/category/PPT</a:t>
-            </a:r>
-            <a:endParaRPr lang="ko-KR" altLang="en-US" sz="1200" dirty="0" smtClean="0"/>
+              <a:t>, </a:t>
+            </a:r>
+            <a:r>
+              <a:rPr lang="ko-KR" altLang="en-US" sz="1200" dirty="0" smtClean="0"/>
+              <a:t>과목명 혹은 반 번호</a:t>
+            </a:r>
+            <a:r>
+              <a:rPr lang="en-US" altLang="ko-KR" sz="1200" dirty="0" smtClean="0"/>
+              <a:t>,</a:t>
+            </a:r>
+            <a:r>
+              <a:rPr lang="ko-KR" altLang="en-US" sz="1200" baseline="0" dirty="0" smtClean="0"/>
+              <a:t> 반 코드를 입력하고 추가 버튼을 눌러</a:t>
+            </a:r>
+            <a:r>
+              <a:rPr lang="en-US" altLang="ko-KR" sz="1200" baseline="0" dirty="0" smtClean="0"/>
+              <a:t/>
+            </a:r>
+            <a:br>
+              <a:rPr lang="en-US" altLang="ko-KR" sz="1200" baseline="0" dirty="0" smtClean="0"/>
+            </a:br>
+            <a:r>
+              <a:rPr lang="ko-KR" altLang="en-US" sz="1200" baseline="0" dirty="0" smtClean="0"/>
+              <a:t>추가 할 수 있으며</a:t>
+            </a:r>
+            <a:r>
+              <a:rPr lang="en-US" altLang="ko-KR" sz="1200" baseline="0" dirty="0" smtClean="0"/>
+              <a:t>,</a:t>
+            </a:r>
+            <a:endParaRPr lang="en-US" altLang="ko-KR" sz="1200" dirty="0" smtClean="0"/>
+          </a:p>
+          <a:p>
+            <a:pPr marL="0" marR="0" indent="0" algn="l" defTabSz="914400" rtl="0" eaLnBrk="1" fontAlgn="auto" latinLnBrk="1" hangingPunct="1">
+              <a:lnSpc>
+                <a:spcPct val="100000"/>
+              </a:lnSpc>
+              <a:spcBef>
+                <a:spcPts val="0"/>
+              </a:spcBef>
+              <a:spcAft>
+                <a:spcPts val="0"/>
+              </a:spcAft>
+              <a:buClrTx/>
+              <a:buSzTx/>
+              <a:buFontTx/>
+              <a:buNone/>
+              <a:tabLst/>
+              <a:defRPr/>
+            </a:pPr>
+            <a:r>
+              <a:rPr lang="ko-KR" altLang="en-US" sz="1200" baseline="0" dirty="0" smtClean="0"/>
+              <a:t>리스트에 있는 과목명이나</a:t>
+            </a:r>
+            <a:r>
+              <a:rPr lang="en-US" altLang="ko-KR" sz="1200" baseline="0" dirty="0" smtClean="0"/>
+              <a:t>, </a:t>
+            </a:r>
+            <a:r>
+              <a:rPr lang="ko-KR" altLang="en-US" sz="1200" baseline="0" dirty="0" smtClean="0"/>
+              <a:t>반 코드를 선택하여</a:t>
+            </a:r>
+            <a:endParaRPr lang="en-US" altLang="ko-KR" sz="1200" baseline="0" dirty="0" smtClean="0"/>
+          </a:p>
+          <a:p>
+            <a:pPr marL="0" marR="0" indent="0" algn="l" defTabSz="914400" rtl="0" eaLnBrk="1" fontAlgn="auto" latinLnBrk="1" hangingPunct="1">
+              <a:lnSpc>
+                <a:spcPct val="100000"/>
+              </a:lnSpc>
+              <a:spcBef>
+                <a:spcPts val="0"/>
+              </a:spcBef>
+              <a:spcAft>
+                <a:spcPts val="0"/>
+              </a:spcAft>
+              <a:buClrTx/>
+              <a:buSzTx/>
+              <a:buFontTx/>
+              <a:buNone/>
+              <a:tabLst/>
+              <a:defRPr/>
+            </a:pPr>
+            <a:r>
+              <a:rPr lang="ko-KR" altLang="en-US" sz="1200" baseline="0" dirty="0" smtClean="0"/>
+              <a:t>삭제도 가능합니다</a:t>
+            </a:r>
+            <a:r>
+              <a:rPr lang="en-US" altLang="ko-KR" sz="1200" baseline="0" dirty="0" smtClean="0"/>
+              <a:t>.</a:t>
+            </a:r>
           </a:p>
           <a:p>
             <a:endParaRPr lang="ko-KR" altLang="en-US" dirty="0"/>
@@ -1194,10 +1486,105 @@
               <a:defRPr/>
             </a:pPr>
             <a:r>
-              <a:rPr lang="en-US" altLang="ko-KR" sz="1200" dirty="0" smtClean="0"/>
-              <a:t>http://minheeblog.tistory.com/category/PPT</a:t>
-            </a:r>
-            <a:endParaRPr lang="ko-KR" altLang="en-US" sz="1200" dirty="0" smtClean="0"/>
+              <a:rPr lang="ko-KR" altLang="en-US" sz="1200" dirty="0" smtClean="0"/>
+              <a:t>학생이름을 입력하고 검색을 누르면</a:t>
+            </a:r>
+            <a:endParaRPr lang="en-US" altLang="ko-KR" sz="1200" dirty="0" smtClean="0"/>
+          </a:p>
+          <a:p>
+            <a:pPr marL="0" marR="0" indent="0" algn="l" defTabSz="914400" rtl="0" eaLnBrk="1" fontAlgn="auto" latinLnBrk="1" hangingPunct="1">
+              <a:lnSpc>
+                <a:spcPct val="100000"/>
+              </a:lnSpc>
+              <a:spcBef>
+                <a:spcPts val="0"/>
+              </a:spcBef>
+              <a:spcAft>
+                <a:spcPts val="0"/>
+              </a:spcAft>
+              <a:buClrTx/>
+              <a:buSzTx/>
+              <a:buFontTx/>
+              <a:buNone/>
+              <a:tabLst/>
+              <a:defRPr/>
+            </a:pPr>
+            <a:r>
+              <a:rPr lang="ko-KR" altLang="en-US" sz="1200" dirty="0" smtClean="0"/>
+              <a:t>해당 학생의 정보를 볼</a:t>
+            </a:r>
+            <a:r>
+              <a:rPr lang="ko-KR" altLang="en-US" sz="1200" baseline="0" dirty="0" smtClean="0"/>
+              <a:t> 수 있으며</a:t>
+            </a:r>
+            <a:r>
+              <a:rPr lang="en-US" altLang="ko-KR" sz="1200" baseline="0" dirty="0" smtClean="0"/>
+              <a:t>, </a:t>
+            </a:r>
+            <a:r>
+              <a:rPr lang="ko-KR" altLang="en-US" sz="1200" baseline="0" dirty="0" smtClean="0"/>
+              <a:t>취소를 누르면</a:t>
+            </a:r>
+            <a:endParaRPr lang="en-US" altLang="ko-KR" sz="1200" baseline="0" dirty="0" smtClean="0"/>
+          </a:p>
+          <a:p>
+            <a:pPr marL="0" marR="0" indent="0" algn="l" defTabSz="914400" rtl="0" eaLnBrk="1" fontAlgn="auto" latinLnBrk="1" hangingPunct="1">
+              <a:lnSpc>
+                <a:spcPct val="100000"/>
+              </a:lnSpc>
+              <a:spcBef>
+                <a:spcPts val="0"/>
+              </a:spcBef>
+              <a:spcAft>
+                <a:spcPts val="0"/>
+              </a:spcAft>
+              <a:buClrTx/>
+              <a:buSzTx/>
+              <a:buFontTx/>
+              <a:buNone/>
+              <a:tabLst/>
+              <a:defRPr/>
+            </a:pPr>
+            <a:r>
+              <a:rPr lang="ko-KR" altLang="en-US" sz="1200" baseline="0" dirty="0" smtClean="0"/>
+              <a:t>다시 모든 학생의의 정보가 나타납니다</a:t>
+            </a:r>
+            <a:r>
+              <a:rPr lang="en-US" altLang="ko-KR" sz="1200" baseline="0" dirty="0" smtClean="0"/>
+              <a:t>. </a:t>
+            </a:r>
+            <a:r>
+              <a:rPr lang="ko-KR" altLang="en-US" sz="1200" baseline="0" dirty="0" smtClean="0"/>
+              <a:t>또한 학생을 선택하여 성적 수정하기를 누르면</a:t>
+            </a:r>
+            <a:endParaRPr lang="en-US" altLang="ko-KR" sz="1200" baseline="0" dirty="0" smtClean="0"/>
+          </a:p>
+          <a:p>
+            <a:pPr marL="0" marR="0" indent="0" algn="l" defTabSz="914400" rtl="0" eaLnBrk="1" fontAlgn="auto" latinLnBrk="1" hangingPunct="1">
+              <a:lnSpc>
+                <a:spcPct val="100000"/>
+              </a:lnSpc>
+              <a:spcBef>
+                <a:spcPts val="0"/>
+              </a:spcBef>
+              <a:spcAft>
+                <a:spcPts val="0"/>
+              </a:spcAft>
+              <a:buClrTx/>
+              <a:buSzTx/>
+              <a:buFontTx/>
+              <a:buNone/>
+              <a:tabLst/>
+              <a:defRPr/>
+            </a:pPr>
+            <a:r>
+              <a:rPr lang="ko-KR" altLang="en-US" sz="1200" baseline="0" dirty="0" smtClean="0"/>
+              <a:t>성적 프레임에 그 학생의 정보가 입력되어있는 상태로 나옵니다</a:t>
+            </a:r>
+            <a:r>
+              <a:rPr lang="en-US" altLang="ko-KR" sz="1200" baseline="0" dirty="0" smtClean="0"/>
+              <a:t>.</a:t>
+            </a:r>
           </a:p>
           <a:p>
             <a:endParaRPr lang="ko-KR" altLang="en-US" dirty="0"/>
@@ -1287,28 +1674,87 @@
           </a:bodyPr>
           <a:lstStyle/>
           <a:p>
-            <a:pPr marL="0" marR="0" indent="0" algn="l" defTabSz="914400" rtl="0" eaLnBrk="1" fontAlgn="auto" latinLnBrk="1" hangingPunct="1">
-              <a:lnSpc>
-                <a:spcPct val="100000"/>
-              </a:lnSpc>
-              <a:spcBef>
-                <a:spcPts val="0"/>
-              </a:spcBef>
-              <a:spcAft>
-                <a:spcPts val="0"/>
-              </a:spcAft>
-              <a:buClrTx/>
-              <a:buSzTx/>
-              <a:buFontTx/>
-              <a:buNone/>
-              <a:tabLst/>
-              <a:defRPr/>
-            </a:pPr>
-            <a:r>
-              <a:rPr lang="en-US" altLang="ko-KR" sz="1200" dirty="0" smtClean="0"/>
-              <a:t>http://minheeblog.tistory.com/category/PPT</a:t>
-            </a:r>
-            <a:endParaRPr lang="ko-KR" altLang="en-US" sz="1200" dirty="0" smtClean="0"/>
+            <a:r>
+              <a:rPr lang="ko-KR" altLang="en-US" dirty="0" smtClean="0"/>
+              <a:t>학생 조회 프레임에서는</a:t>
+            </a:r>
+            <a:endParaRPr lang="en-US" altLang="ko-KR" dirty="0" smtClean="0"/>
+          </a:p>
+          <a:p>
+            <a:r>
+              <a:rPr lang="ko-KR" altLang="en-US" dirty="0" smtClean="0"/>
+              <a:t>분반 별 검색이 가능하며</a:t>
+            </a:r>
+            <a:r>
+              <a:rPr lang="en-US" altLang="ko-KR" baseline="0" dirty="0" smtClean="0"/>
+              <a:t> </a:t>
+            </a:r>
+            <a:r>
+              <a:rPr lang="ko-KR" altLang="en-US" baseline="0" dirty="0" smtClean="0"/>
+              <a:t>검색할 인원수를 설정할 수 있고</a:t>
+            </a:r>
+            <a:r>
+              <a:rPr lang="en-US" altLang="ko-KR" baseline="0" dirty="0" smtClean="0"/>
+              <a:t>, </a:t>
+            </a:r>
+            <a:r>
+              <a:rPr lang="ko-KR" altLang="en-US" baseline="0" dirty="0" smtClean="0"/>
+              <a:t>과목명을 선택하여 그 과목의 성적순으로 정렬 가능합니다</a:t>
+            </a:r>
+            <a:r>
+              <a:rPr lang="en-US" altLang="ko-KR" baseline="0" dirty="0" smtClean="0"/>
+              <a:t>. </a:t>
+            </a:r>
+            <a:r>
+              <a:rPr lang="ko-KR" altLang="en-US" baseline="0" dirty="0" smtClean="0"/>
+              <a:t>예를 들어 </a:t>
+            </a:r>
+            <a:r>
+              <a:rPr lang="en-US" altLang="ko-KR" baseline="0" dirty="0" smtClean="0"/>
+              <a:t>A1</a:t>
+            </a:r>
+            <a:r>
+              <a:rPr lang="ko-KR" altLang="en-US" baseline="0" dirty="0" smtClean="0"/>
+              <a:t>반에 국어성적이 가장 높은 </a:t>
+            </a:r>
+            <a:r>
+              <a:rPr lang="en-US" altLang="ko-KR" baseline="0" dirty="0" smtClean="0"/>
+              <a:t>10</a:t>
+            </a:r>
+            <a:r>
+              <a:rPr lang="ko-KR" altLang="en-US" baseline="0" dirty="0" smtClean="0"/>
+              <a:t>명을 보고 싶으면</a:t>
+            </a:r>
+            <a:endParaRPr lang="en-US" altLang="ko-KR" baseline="0" dirty="0" smtClean="0"/>
+          </a:p>
+          <a:p>
+            <a:r>
+              <a:rPr lang="ko-KR" altLang="en-US" dirty="0" smtClean="0"/>
+              <a:t>이렇게 검색이 가능합니다</a:t>
+            </a:r>
+            <a:r>
+              <a:rPr lang="en-US" altLang="ko-KR" dirty="0" smtClean="0"/>
+              <a:t>.</a:t>
+            </a:r>
+            <a:r>
+              <a:rPr lang="en-US" altLang="ko-KR" baseline="0" dirty="0" smtClean="0"/>
+              <a:t> </a:t>
+            </a:r>
+            <a:r>
+              <a:rPr lang="ko-KR" altLang="en-US" baseline="0" dirty="0" smtClean="0"/>
+              <a:t>이전 학생조회프레임과 마찬가지로 성적 수정하러 가기가 가능하며</a:t>
+            </a:r>
+            <a:endParaRPr lang="en-US" altLang="ko-KR" baseline="0" dirty="0" smtClean="0"/>
+          </a:p>
+          <a:p>
+            <a:r>
+              <a:rPr lang="ko-KR" altLang="en-US" baseline="0" dirty="0" smtClean="0"/>
+              <a:t>현재 출력된 학생들의 각 과목별 평균을 차트로 출력되도록 구연하였습니다</a:t>
+            </a:r>
+            <a:r>
+              <a:rPr lang="en-US" altLang="ko-KR" baseline="0" smtClean="0"/>
+              <a:t>.</a:t>
+            </a:r>
           </a:p>
           <a:p>
             <a:endParaRPr lang="ko-KR" altLang="en-US" dirty="0"/>
@@ -2059,28 +2505,18 @@
           </a:bodyPr>
           <a:lstStyle/>
           <a:p>
-            <a:pPr marL="0" marR="0" indent="0" algn="l" defTabSz="914400" rtl="0" eaLnBrk="1" fontAlgn="auto" latinLnBrk="1" hangingPunct="1">
-              <a:lnSpc>
-                <a:spcPct val="100000"/>
-              </a:lnSpc>
-              <a:spcBef>
-                <a:spcPts val="0"/>
-              </a:spcBef>
-              <a:spcAft>
-                <a:spcPts val="0"/>
-              </a:spcAft>
-              <a:buClrTx/>
-              <a:buSzTx/>
-              <a:buFontTx/>
-              <a:buNone/>
-              <a:tabLst/>
-              <a:defRPr/>
-            </a:pPr>
-            <a:r>
-              <a:rPr lang="en-US" altLang="ko-KR" sz="1200" dirty="0" smtClean="0"/>
-              <a:t>http://minheeblog.tistory.com/category/PPT</a:t>
-            </a:r>
-            <a:endParaRPr lang="ko-KR" altLang="en-US" sz="1200" dirty="0" smtClean="0"/>
+            <a:r>
+              <a:rPr lang="ko-KR" altLang="en-US" dirty="0" smtClean="0"/>
+              <a:t>발표 순서는 팀 소개 프로젝트 소개 주요 기능 특이사항 순으로 </a:t>
+            </a:r>
+            <a:r>
+              <a:rPr lang="ko-KR" altLang="en-US" dirty="0" err="1" smtClean="0"/>
+              <a:t>진행겠습니다</a:t>
+            </a:r>
+            <a:r>
+              <a:rPr lang="en-US" altLang="ko-KR" dirty="0" smtClean="0"/>
+              <a:t>.</a:t>
+            </a:r>
           </a:p>
           <a:p>
             <a:endParaRPr lang="ko-KR" altLang="en-US" dirty="0"/>
@@ -2188,13 +2624,6 @@
               <a:defRPr/>
             </a:pPr>
             <a:r>
-              <a:rPr lang="en-US" altLang="ko-KR" sz="1200" dirty="0" smtClean="0"/>
-              <a:t>http://minheeblog.tistory.com/category/PPT</a:t>
-            </a:r>
-            <a:endParaRPr lang="ko-KR" altLang="en-US" sz="1200" dirty="0" smtClean="0"/>
-          </a:p>
-          <a:p>
-            <a:r>
               <a:rPr lang="ko-KR" altLang="en-US" sz="1200" dirty="0" smtClean="0">
                 <a:solidFill>
                   <a:schemeClr val="tx1">
@@ -2205,7 +2634,7 @@
                 <a:latin typeface="HY헤드라인M" pitchFamily="18" charset="-127"/>
                 <a:ea typeface="HY헤드라인M" pitchFamily="18" charset="-127"/>
               </a:rPr>
-              <a:t>간단하게 학생 및 성적을 입력</a:t>
+              <a:t>성적관리</a:t>
             </a:r>
             <a:r>
               <a:rPr lang="en-US" altLang="ko-KR" sz="1200" dirty="0" smtClean="0">
@@ -2218,7 +2647,7 @@
                 <a:latin typeface="HY헤드라인M" pitchFamily="18" charset="-127"/>
                 <a:ea typeface="HY헤드라인M" pitchFamily="18" charset="-127"/>
               </a:rPr>
-              <a:t>,</a:t>
+              <a:t> </a:t>
             </a:r>
             <a:r>
               <a:rPr lang="ko-KR" altLang="en-US" sz="1200" dirty="0" smtClean="0">
@@ -2231,10 +2660,34 @@
                 <a:latin typeface="HY헤드라인M" pitchFamily="18" charset="-127"/>
                 <a:ea typeface="HY헤드라인M" pitchFamily="18" charset="-127"/>
               </a:rPr>
-              <a:t> 삭제</a:t>
-            </a:r>
-            <a:r>
-              <a:rPr lang="en-US" altLang="ko-KR" sz="1200" dirty="0" smtClean="0">
+              <a:t>프로그램 목적</a:t>
+            </a:r>
+            <a:endParaRPr lang="en-US" altLang="ko-KR" sz="1200" dirty="0" smtClean="0">
+              <a:solidFill>
+                <a:schemeClr val="tx1">
+                  <a:lumMod val="75000"/>
+                  <a:lumOff val="25000"/>
+                </a:schemeClr>
+              </a:solidFill>
+              <a:latin typeface="HY헤드라인M" pitchFamily="18" charset="-127"/>
+              <a:ea typeface="HY헤드라인M" pitchFamily="18" charset="-127"/>
+            </a:endParaRPr>
+          </a:p>
+          <a:p>
+            <a:endParaRPr lang="en-US" altLang="ko-KR" sz="1200" dirty="0" smtClean="0">
+              <a:solidFill>
+                <a:schemeClr val="tx1">
+                  <a:lumMod val="75000"/>
+                  <a:lumOff val="25000"/>
+                </a:schemeClr>
+              </a:solidFill>
+              <a:latin typeface="HY헤드라인M" pitchFamily="18" charset="-127"/>
+              <a:ea typeface="HY헤드라인M" pitchFamily="18" charset="-127"/>
+            </a:endParaRPr>
+          </a:p>
+          <a:p>
+            <a:r>
+              <a:rPr lang="ko-KR" altLang="en-US" sz="1200" dirty="0" smtClean="0">
                 <a:solidFill>
                   <a:schemeClr val="tx1">
                     <a:lumMod val="75000"/>
@@ -2244,10 +2697,10 @@
                 <a:latin typeface="HY헤드라인M" pitchFamily="18" charset="-127"/>
                 <a:ea typeface="HY헤드라인M" pitchFamily="18" charset="-127"/>
               </a:rPr>
-              <a:t>,</a:t>
-            </a:r>
-            <a:r>
-              <a:rPr lang="ko-KR" altLang="en-US" sz="1200" dirty="0" smtClean="0">
+              <a:t>간단하게 학생 및 성적을 입력</a:t>
+            </a:r>
+            <a:r>
+              <a:rPr lang="en-US" altLang="ko-KR" sz="1200" dirty="0" smtClean="0">
                 <a:solidFill>
                   <a:schemeClr val="tx1">
                     <a:lumMod val="75000"/>
@@ -2257,10 +2710,10 @@
                 <a:latin typeface="HY헤드라인M" pitchFamily="18" charset="-127"/>
                 <a:ea typeface="HY헤드라인M" pitchFamily="18" charset="-127"/>
               </a:rPr>
-              <a:t> 수정</a:t>
-            </a:r>
-            <a:r>
-              <a:rPr lang="en-US" altLang="ko-KR" sz="1200" dirty="0" smtClean="0">
+              <a:t>,</a:t>
+            </a:r>
+            <a:r>
+              <a:rPr lang="ko-KR" altLang="en-US" sz="1200" dirty="0" smtClean="0">
                 <a:solidFill>
                   <a:schemeClr val="tx1">
                     <a:lumMod val="75000"/>
@@ -2270,10 +2723,10 @@
                 <a:latin typeface="HY헤드라인M" pitchFamily="18" charset="-127"/>
                 <a:ea typeface="HY헤드라인M" pitchFamily="18" charset="-127"/>
               </a:rPr>
-              <a:t>,</a:t>
-            </a:r>
-            <a:r>
-              <a:rPr lang="ko-KR" altLang="en-US" sz="1200" dirty="0" smtClean="0">
+              <a:t> 삭제</a:t>
+            </a:r>
+            <a:r>
+              <a:rPr lang="en-US" altLang="ko-KR" sz="1200" dirty="0" smtClean="0">
                 <a:solidFill>
                   <a:schemeClr val="tx1">
                     <a:lumMod val="75000"/>
@@ -2283,10 +2736,10 @@
                 <a:latin typeface="HY헤드라인M" pitchFamily="18" charset="-127"/>
                 <a:ea typeface="HY헤드라인M" pitchFamily="18" charset="-127"/>
               </a:rPr>
-              <a:t> 조회 할 수 있도록 만든 프로그램</a:t>
-            </a:r>
-            <a:r>
-              <a:rPr lang="en-US" altLang="ko-KR" sz="1200" dirty="0" smtClean="0">
+              <a:t>,</a:t>
+            </a:r>
+            <a:r>
+              <a:rPr lang="ko-KR" altLang="en-US" sz="1200" dirty="0" smtClean="0">
                 <a:solidFill>
                   <a:schemeClr val="tx1">
                     <a:lumMod val="75000"/>
@@ -2296,12 +2749,10 @@
                 <a:latin typeface="HY헤드라인M" pitchFamily="18" charset="-127"/>
                 <a:ea typeface="HY헤드라인M" pitchFamily="18" charset="-127"/>
               </a:rPr>
-              <a:t>.</a:t>
-            </a:r>
-          </a:p>
-          <a:p>
-            <a:r>
-              <a:rPr lang="ko-KR" altLang="en-US" sz="1200" dirty="0" smtClean="0">
+              <a:t> 수정</a:t>
+            </a:r>
+            <a:r>
+              <a:rPr lang="en-US" altLang="ko-KR" sz="1200" dirty="0" smtClean="0">
                 <a:solidFill>
                   <a:schemeClr val="tx1">
                     <a:lumMod val="75000"/>
@@ -2311,10 +2762,10 @@
                 <a:latin typeface="HY헤드라인M" pitchFamily="18" charset="-127"/>
                 <a:ea typeface="HY헤드라인M" pitchFamily="18" charset="-127"/>
               </a:rPr>
-              <a:t>많은 학생들의 정보를 관리하기 보다</a:t>
-            </a:r>
-            <a:r>
-              <a:rPr lang="en-US" altLang="ko-KR" sz="1200" dirty="0" smtClean="0">
+              <a:t>,</a:t>
+            </a:r>
+            <a:r>
+              <a:rPr lang="ko-KR" altLang="en-US" sz="1200" dirty="0" smtClean="0">
                 <a:solidFill>
                   <a:schemeClr val="tx1">
                     <a:lumMod val="75000"/>
@@ -2324,10 +2775,10 @@
                 <a:latin typeface="HY헤드라인M" pitchFamily="18" charset="-127"/>
                 <a:ea typeface="HY헤드라인M" pitchFamily="18" charset="-127"/>
               </a:rPr>
-              <a:t>, </a:t>
-            </a:r>
-            <a:r>
-              <a:rPr lang="ko-KR" altLang="en-US" sz="1200" dirty="0" smtClean="0">
+              <a:t> 조회 할 수 있도록 만든 프로그램</a:t>
+            </a:r>
+            <a:r>
+              <a:rPr lang="en-US" altLang="ko-KR" sz="1200" baseline="0" dirty="0" smtClean="0">
                 <a:solidFill>
                   <a:schemeClr val="tx1">
                     <a:lumMod val="75000"/>
@@ -2337,10 +2788,10 @@
                 <a:latin typeface="HY헤드라인M" pitchFamily="18" charset="-127"/>
                 <a:ea typeface="HY헤드라인M" pitchFamily="18" charset="-127"/>
               </a:rPr>
-              <a:t>한 학년 담임선생님이 개인적으로 쓰기 좋게 많은 기능이 들어가있지 않고 복잡하지 않다</a:t>
-            </a:r>
-            <a:r>
-              <a:rPr lang="en-US" altLang="ko-KR" sz="1200" dirty="0" smtClean="0">
+              <a:t> </a:t>
+            </a:r>
+            <a:r>
+              <a:rPr lang="ko-KR" altLang="en-US" sz="1200" baseline="0" dirty="0" smtClean="0">
                 <a:solidFill>
                   <a:schemeClr val="tx1">
                     <a:lumMod val="75000"/>
@@ -2350,8 +2801,98 @@
                 <a:latin typeface="HY헤드라인M" pitchFamily="18" charset="-127"/>
                 <a:ea typeface="HY헤드라인M" pitchFamily="18" charset="-127"/>
               </a:rPr>
+              <a:t>이며</a:t>
+            </a:r>
+            <a:endParaRPr lang="en-US" altLang="ko-KR" sz="1200" dirty="0" smtClean="0">
+              <a:solidFill>
+                <a:schemeClr val="tx1">
+                  <a:lumMod val="75000"/>
+                  <a:lumOff val="25000"/>
+                </a:schemeClr>
+              </a:solidFill>
+              <a:latin typeface="HY헤드라인M" pitchFamily="18" charset="-127"/>
+              <a:ea typeface="HY헤드라인M" pitchFamily="18" charset="-127"/>
+            </a:endParaRPr>
+          </a:p>
+          <a:p>
+            <a:r>
+              <a:rPr lang="ko-KR" altLang="en-US" sz="1200" dirty="0" smtClean="0">
+                <a:solidFill>
+                  <a:schemeClr val="tx1">
+                    <a:lumMod val="75000"/>
+                    <a:lumOff val="25000"/>
+                  </a:schemeClr>
+                </a:solidFill>
+                <a:latin typeface="HY헤드라인M" pitchFamily="18" charset="-127"/>
+                <a:ea typeface="HY헤드라인M" pitchFamily="18" charset="-127"/>
+              </a:rPr>
+              <a:t>많은 학생들의 정보를 관리하기 보다</a:t>
+            </a:r>
+            <a:r>
+              <a:rPr lang="en-US" altLang="ko-KR" sz="1200" dirty="0" smtClean="0">
+                <a:solidFill>
+                  <a:schemeClr val="tx1">
+                    <a:lumMod val="75000"/>
+                    <a:lumOff val="25000"/>
+                  </a:schemeClr>
+                </a:solidFill>
+                <a:latin typeface="HY헤드라인M" pitchFamily="18" charset="-127"/>
+                <a:ea typeface="HY헤드라인M" pitchFamily="18" charset="-127"/>
+              </a:rPr>
+              <a:t>, </a:t>
+            </a:r>
+            <a:r>
+              <a:rPr lang="ko-KR" altLang="en-US" sz="1200" dirty="0" smtClean="0">
+                <a:solidFill>
+                  <a:schemeClr val="tx1">
+                    <a:lumMod val="75000"/>
+                    <a:lumOff val="25000"/>
+                  </a:schemeClr>
+                </a:solidFill>
+                <a:latin typeface="HY헤드라인M" pitchFamily="18" charset="-127"/>
+                <a:ea typeface="HY헤드라인M" pitchFamily="18" charset="-127"/>
+              </a:rPr>
+              <a:t>한 학년 담임선생님이 개인적으로 쓰기 좋게 많은 기능이 들어가있지 않고 복잡하지</a:t>
+            </a:r>
+            <a:r>
+              <a:rPr lang="ko-KR" altLang="en-US" sz="1200" baseline="0" dirty="0" smtClean="0">
+                <a:solidFill>
+                  <a:schemeClr val="tx1">
+                    <a:lumMod val="75000"/>
+                    <a:lumOff val="25000"/>
+                  </a:schemeClr>
+                </a:solidFill>
+                <a:latin typeface="HY헤드라인M" pitchFamily="18" charset="-127"/>
+                <a:ea typeface="HY헤드라인M" pitchFamily="18" charset="-127"/>
+              </a:rPr>
+              <a:t> 않습니다</a:t>
+            </a:r>
+            <a:r>
+              <a:rPr lang="en-US" altLang="ko-KR" sz="1200" baseline="0" dirty="0" smtClean="0">
+                <a:solidFill>
+                  <a:schemeClr val="tx1">
+                    <a:lumMod val="75000"/>
+                    <a:lumOff val="25000"/>
+                  </a:schemeClr>
+                </a:solidFill>
+                <a:latin typeface="HY헤드라인M" pitchFamily="18" charset="-127"/>
+                <a:ea typeface="HY헤드라인M" pitchFamily="18" charset="-127"/>
+              </a:rPr>
               <a:t>.</a:t>
             </a:r>
+            <a:endParaRPr lang="en-US" altLang="ko-KR" sz="1200" dirty="0" smtClean="0">
+              <a:solidFill>
+                <a:schemeClr val="tx1">
+                  <a:lumMod val="75000"/>
+                  <a:lumOff val="25000"/>
+                </a:schemeClr>
+              </a:solidFill>
+              <a:latin typeface="HY헤드라인M" pitchFamily="18" charset="-127"/>
+              <a:ea typeface="HY헤드라인M" pitchFamily="18" charset="-127"/>
+            </a:endParaRPr>
+          </a:p>
+          <a:p>
+            <a:endParaRPr lang="ko-KR" altLang="en-US" dirty="0" smtClean="0"/>
           </a:p>
           <a:p>
             <a:endParaRPr lang="ko-KR" altLang="en-US" dirty="0"/>
@@ -2459,10 +3000,45 @@
               <a:defRPr/>
             </a:pPr>
             <a:r>
+              <a:rPr lang="ko-KR" altLang="en-US" sz="1200" dirty="0" smtClean="0"/>
+              <a:t>개발에 사용된 도구로는</a:t>
+            </a:r>
+            <a:endParaRPr lang="en-US" altLang="ko-KR" sz="1200" dirty="0" smtClean="0"/>
+          </a:p>
+          <a:p>
+            <a:pPr marL="0" marR="0" indent="0" algn="l" defTabSz="914400" rtl="0" eaLnBrk="1" fontAlgn="auto" latinLnBrk="1" hangingPunct="1">
+              <a:lnSpc>
+                <a:spcPct val="100000"/>
+              </a:lnSpc>
+              <a:spcBef>
+                <a:spcPts val="0"/>
+              </a:spcBef>
+              <a:spcAft>
+                <a:spcPts val="0"/>
+              </a:spcAft>
+              <a:buClrTx/>
+              <a:buSzTx/>
+              <a:buFontTx/>
+              <a:buNone/>
+              <a:tabLst/>
+              <a:defRPr/>
+            </a:pPr>
+            <a:r>
+              <a:rPr lang="ko-KR" altLang="en-US" sz="1200" dirty="0" smtClean="0"/>
+              <a:t>이렇게 </a:t>
+            </a:r>
+            <a:r>
               <a:rPr lang="en-US" altLang="ko-KR" sz="1200" dirty="0" smtClean="0"/>
-              <a:t>http://minheeblog.tistory.com/category/PPT</a:t>
-            </a:r>
-            <a:endParaRPr lang="ko-KR" altLang="en-US" sz="1200" dirty="0" smtClean="0"/>
+              <a:t>6</a:t>
+            </a:r>
+            <a:r>
+              <a:rPr lang="ko-KR" altLang="en-US" sz="1200" dirty="0" smtClean="0"/>
+              <a:t>개의 도구를 사용했습니다</a:t>
+            </a:r>
+            <a:r>
+              <a:rPr lang="en-US" altLang="ko-KR" sz="1200" dirty="0" smtClean="0"/>
+              <a:t>.</a:t>
+            </a:r>
           </a:p>
           <a:p>
             <a:endParaRPr lang="ko-KR" altLang="en-US" dirty="0"/>
@@ -2552,22 +3128,7 @@
           </a:bodyPr>
           <a:lstStyle/>
           <a:p>
-            <a:r>
-              <a:rPr lang="ko-KR" altLang="en-US" sz="1200" dirty="0" smtClean="0"/>
-              <a:t>학생 테이블을 중점으로 학생번호가 삭제되면 그에 대한 디테일 모두 삭제되도록 </a:t>
-            </a:r>
-            <a:r>
-              <a:rPr lang="en-US" altLang="ko-KR" sz="1200" dirty="0" smtClean="0"/>
-              <a:t>cascade </a:t>
-            </a:r>
-            <a:r>
-              <a:rPr lang="ko-KR" altLang="en-US" sz="1200" dirty="0" smtClean="0"/>
-              <a:t>했다</a:t>
-            </a:r>
-            <a:endParaRPr lang="en-US" altLang="ko-KR" sz="1200" dirty="0" smtClean="0"/>
-          </a:p>
-          <a:p>
-            <a:pPr marL="0" marR="0" lvl="0" indent="0" algn="l" defTabSz="914400" rtl="0" eaLnBrk="1" fontAlgn="auto" latinLnBrk="1" hangingPunct="1">
+            <a:pPr marL="0" marR="0" indent="0" algn="l" defTabSz="914400" rtl="0" eaLnBrk="1" fontAlgn="auto" latinLnBrk="1" hangingPunct="1">
               <a:lnSpc>
                 <a:spcPct val="100000"/>
               </a:lnSpc>
@@ -2585,114 +3146,17 @@
               <a:defRPr/>
             </a:pPr>
             <a:r>
+              <a:rPr lang="en-US" altLang="ko-KR" sz="1200" dirty="0" smtClean="0"/>
+              <a:t>DB</a:t>
+            </a:r>
+            <a:r>
               <a:rPr lang="ko-KR" altLang="en-US" sz="1200" dirty="0" smtClean="0"/>
-              <a:t>학생 추가되면 기본적으로 과목별 성적이 모두 </a:t>
-            </a:r>
-            <a:r>
-              <a:rPr lang="en-US" altLang="ko-KR" sz="1200" dirty="0" smtClean="0"/>
-              <a:t>“0”</a:t>
-            </a:r>
-            <a:r>
-              <a:rPr lang="ko-KR" altLang="en-US" sz="1200" dirty="0" smtClean="0"/>
-              <a:t>이 되도록 </a:t>
-            </a:r>
-            <a:r>
-              <a:rPr lang="en-US" altLang="ko-KR" sz="1200" dirty="0" smtClean="0"/>
-              <a:t>Trigger </a:t>
-            </a:r>
-            <a:r>
-              <a:rPr lang="ko-KR" altLang="en-US" sz="1200" dirty="0" smtClean="0"/>
-              <a:t>설정을 해두었다</a:t>
-            </a:r>
-            <a:r>
-              <a:rPr lang="en-US" altLang="ko-KR" sz="1200" dirty="0" smtClean="0"/>
-              <a:t>.</a:t>
-            </a:r>
-            <a:r>
-              <a:rPr lang="ko-KR" altLang="en-US" sz="1200" dirty="0" smtClean="0"/>
-              <a:t> </a:t>
+              <a:t>설계는</a:t>
             </a:r>
             <a:endParaRPr lang="en-US" altLang="ko-KR" sz="1200" dirty="0" smtClean="0"/>
           </a:p>
           <a:p>
-            <a:r>
-              <a:rPr lang="ko-KR" altLang="en-US" sz="1200" dirty="0" smtClean="0"/>
-              <a:t>학생이 삭제되면 그 학생의 성적은 삭제되지 않으므로</a:t>
-            </a:r>
-            <a:r>
-              <a:rPr lang="en-US" altLang="ko-KR" sz="1200" dirty="0" smtClean="0"/>
-              <a:t>, </a:t>
-            </a:r>
-            <a:r>
-              <a:rPr lang="ko-KR" altLang="en-US" sz="1200" dirty="0" smtClean="0"/>
-              <a:t>그 학생에 대한 성적을 모두 지워지도록 </a:t>
-            </a:r>
-            <a:r>
-              <a:rPr lang="en-US" altLang="ko-KR" sz="1200" dirty="0" smtClean="0"/>
-              <a:t>Trigger</a:t>
-            </a:r>
-          </a:p>
-          <a:p>
-            <a:r>
-              <a:rPr lang="en-US" altLang="ko-KR" sz="1200" dirty="0" smtClean="0"/>
-              <a:t>    </a:t>
-            </a:r>
-            <a:r>
-              <a:rPr lang="ko-KR" altLang="en-US" sz="1200" dirty="0" smtClean="0"/>
-              <a:t>설정해두었다</a:t>
-            </a:r>
-            <a:r>
-              <a:rPr lang="en-US" altLang="ko-KR" sz="1200" dirty="0" smtClean="0"/>
-              <a:t>.</a:t>
-            </a:r>
-          </a:p>
-          <a:p>
-            <a:r>
-              <a:rPr lang="ko-KR" altLang="en-US" sz="1200" dirty="0" smtClean="0"/>
-              <a:t>과목 테이블의 과목별 점수 모두 </a:t>
-            </a:r>
-            <a:r>
-              <a:rPr lang="en-US" altLang="ko-KR" sz="1200" dirty="0" err="1" smtClean="0"/>
-              <a:t>RowData</a:t>
-            </a:r>
-            <a:r>
-              <a:rPr lang="ko-KR" altLang="en-US" sz="1200" dirty="0" smtClean="0"/>
-              <a:t>로 생성되기 때문에 </a:t>
-            </a:r>
-            <a:r>
-              <a:rPr lang="en-US" altLang="ko-KR" sz="1200" dirty="0" smtClean="0"/>
-              <a:t>pivot</a:t>
-            </a:r>
-            <a:r>
-              <a:rPr lang="ko-KR" altLang="en-US" sz="1200" dirty="0" smtClean="0"/>
-              <a:t>을 사용하여 </a:t>
-            </a:r>
-            <a:r>
-              <a:rPr lang="en-US" altLang="ko-KR" sz="1200" dirty="0" smtClean="0"/>
-              <a:t>Column</a:t>
-            </a:r>
-            <a:r>
-              <a:rPr lang="ko-KR" altLang="en-US" sz="1200" dirty="0" smtClean="0"/>
-              <a:t>으로 볼 수 </a:t>
-            </a:r>
-            <a:endParaRPr lang="en-US" altLang="ko-KR" sz="1200" dirty="0" smtClean="0"/>
-          </a:p>
-          <a:p>
-            <a:r>
-              <a:rPr lang="en-US" altLang="ko-KR" sz="1200" dirty="0" smtClean="0"/>
-              <a:t>    </a:t>
-            </a:r>
-            <a:r>
-              <a:rPr lang="ko-KR" altLang="en-US" sz="1200" dirty="0" smtClean="0"/>
-              <a:t>있게 하였으며</a:t>
-            </a:r>
-            <a:r>
-              <a:rPr lang="en-US" altLang="ko-KR" sz="1200" dirty="0" smtClean="0"/>
-              <a:t>.</a:t>
-            </a:r>
-          </a:p>
-          <a:p>
-            <a:pPr marL="0" marR="0" lvl="0" indent="0" algn="l" defTabSz="914400" rtl="0" eaLnBrk="1" fontAlgn="auto" latinLnBrk="1" hangingPunct="1">
+            <a:pPr marL="0" marR="0" indent="0" algn="l" defTabSz="914400" rtl="0" eaLnBrk="1" fontAlgn="auto" latinLnBrk="1" hangingPunct="1">
               <a:lnSpc>
                 <a:spcPct val="100000"/>
               </a:lnSpc>
@@ -2711,15 +3175,125 @@
             </a:pPr>
             <a:r>
               <a:rPr lang="ko-KR" altLang="en-US" sz="1200" dirty="0" smtClean="0"/>
-              <a:t>학생에 대한 정보와 과목별 점수</a:t>
+              <a:t>학생 테이블을 중심으로 학생번호가 삭제되면 그에 대한 디테일 정보가 모두 삭제되도록 </a:t>
             </a:r>
             <a:r>
               <a:rPr lang="en-US" altLang="ko-KR" sz="1200" dirty="0" smtClean="0"/>
-              <a:t> </a:t>
+              <a:t>Cascade </a:t>
             </a:r>
             <a:r>
               <a:rPr lang="ko-KR" altLang="en-US" sz="1200" dirty="0" smtClean="0"/>
-              <a:t>그리고 평균 까지 한번에 볼 수 있는 </a:t>
+              <a:t>했습니다</a:t>
+            </a:r>
+            <a:r>
+              <a:rPr lang="en-US" altLang="ko-KR" sz="1200" dirty="0" smtClean="0"/>
+              <a:t>.</a:t>
+            </a:r>
+          </a:p>
+          <a:p>
+            <a:pPr marL="0" marR="0" indent="0" algn="l" defTabSz="914400" rtl="0" eaLnBrk="1" fontAlgn="auto" latinLnBrk="1" hangingPunct="1">
+              <a:lnSpc>
+                <a:spcPct val="100000"/>
+              </a:lnSpc>
+              <a:spcBef>
+                <a:spcPts val="0"/>
+              </a:spcBef>
+              <a:spcAft>
+                <a:spcPts val="0"/>
+              </a:spcAft>
+              <a:buClrTx/>
+              <a:buSzTx/>
+              <a:buFontTx/>
+              <a:buNone/>
+              <a:tabLst/>
+              <a:defRPr/>
+            </a:pPr>
+            <a:r>
+              <a:rPr lang="ko-KR" altLang="en-US" sz="1200" dirty="0" smtClean="0"/>
+              <a:t>학생이 추가되면 기본적으로 성적이 모두 </a:t>
+            </a:r>
+            <a:r>
+              <a:rPr lang="en-US" altLang="ko-KR" sz="1200" dirty="0" smtClean="0"/>
+              <a:t>0 </a:t>
+            </a:r>
+            <a:r>
+              <a:rPr lang="ko-KR" altLang="en-US" sz="1200" dirty="0" smtClean="0"/>
+              <a:t>이 되도록 </a:t>
+            </a:r>
+            <a:r>
+              <a:rPr lang="en-US" altLang="ko-KR" sz="1200" dirty="0" smtClean="0"/>
+              <a:t>Trigger</a:t>
+            </a:r>
+            <a:r>
+              <a:rPr lang="ko-KR" altLang="en-US" sz="1200" dirty="0" smtClean="0"/>
+              <a:t>설정을 해두었으며</a:t>
+            </a:r>
+            <a:endParaRPr lang="en-US" altLang="ko-KR" sz="1200" dirty="0" smtClean="0"/>
+          </a:p>
+          <a:p>
+            <a:pPr marL="0" marR="0" indent="0" algn="l" defTabSz="914400" rtl="0" eaLnBrk="1" fontAlgn="auto" latinLnBrk="1" hangingPunct="1">
+              <a:lnSpc>
+                <a:spcPct val="100000"/>
+              </a:lnSpc>
+              <a:spcBef>
+                <a:spcPts val="0"/>
+              </a:spcBef>
+              <a:spcAft>
+                <a:spcPts val="0"/>
+              </a:spcAft>
+              <a:buClrTx/>
+              <a:buSzTx/>
+              <a:buFontTx/>
+              <a:buNone/>
+              <a:tabLst/>
+              <a:defRPr/>
+            </a:pPr>
+            <a:r>
+              <a:rPr lang="ko-KR" altLang="en-US" sz="1200" dirty="0" smtClean="0"/>
+              <a:t>학생이 삭제되면 그 학생의 성적은 삭제되지 않으므로</a:t>
+            </a:r>
+            <a:r>
+              <a:rPr lang="en-US" altLang="ko-KR" sz="1200" dirty="0" smtClean="0"/>
+              <a:t>, </a:t>
+            </a:r>
+            <a:r>
+              <a:rPr lang="ko-KR" altLang="en-US" sz="1200" dirty="0" smtClean="0"/>
+              <a:t>그 학생에 성적을 모두 지워지도록 </a:t>
+            </a:r>
+            <a:r>
+              <a:rPr lang="en-US" altLang="ko-KR" sz="1200" dirty="0" smtClean="0"/>
+              <a:t>Trigger</a:t>
+            </a:r>
+            <a:r>
+              <a:rPr lang="ko-KR" altLang="en-US" sz="1200" dirty="0" smtClean="0"/>
+              <a:t>설정을 해두었습니다</a:t>
+            </a:r>
+            <a:r>
+              <a:rPr lang="en-US" altLang="ko-KR" sz="1200" dirty="0" smtClean="0"/>
+              <a:t>.</a:t>
+            </a:r>
+          </a:p>
+          <a:p>
+            <a:pPr marL="0" marR="0" indent="0" algn="l" defTabSz="914400" rtl="0" eaLnBrk="1" fontAlgn="auto" latinLnBrk="1" hangingPunct="1">
+              <a:lnSpc>
+                <a:spcPct val="100000"/>
+              </a:lnSpc>
+              <a:spcBef>
+                <a:spcPts val="0"/>
+              </a:spcBef>
+              <a:spcAft>
+                <a:spcPts val="0"/>
+              </a:spcAft>
+              <a:buClrTx/>
+              <a:buSzTx/>
+              <a:buFontTx/>
+              <a:buNone/>
+              <a:tabLst/>
+              <a:defRPr/>
+            </a:pPr>
+            <a:r>
+              <a:rPr lang="ko-KR" altLang="en-US" sz="1200" dirty="0" smtClean="0"/>
+              <a:t>학생에 대한 정보와 과목별 점수 그리고 평균 까지 한번에 볼 수 있는 </a:t>
             </a:r>
             <a:r>
               <a:rPr lang="en-US" altLang="ko-KR" sz="1200" dirty="0" smtClean="0"/>
@@ -2727,15 +3301,12 @@
             </a:r>
             <a:r>
               <a:rPr lang="ko-KR" altLang="en-US" sz="1200" dirty="0" smtClean="0"/>
-              <a:t>를 생성했다</a:t>
+              <a:t>를 생성했습니다</a:t>
             </a:r>
             <a:r>
               <a:rPr lang="en-US" altLang="ko-KR" sz="1200" dirty="0" smtClean="0"/>
               <a:t>.</a:t>
             </a:r>
-            <a:endParaRPr lang="ko-KR" altLang="en-US" sz="1200" dirty="0" smtClean="0"/>
-          </a:p>
-          <a:p>
             <a:endParaRPr lang="ko-KR" altLang="en-US" sz="1200" dirty="0" smtClean="0"/>
           </a:p>
           <a:p>
@@ -2867,10 +3438,183 @@
               <a:defRPr/>
             </a:pPr>
             <a:r>
-              <a:rPr lang="en-US" altLang="ko-KR" sz="1200" dirty="0" smtClean="0"/>
-              <a:t>http://minheeblog.tistory.com/category/PPT</a:t>
-            </a:r>
-            <a:endParaRPr lang="ko-KR" altLang="en-US" sz="1200" dirty="0" smtClean="0"/>
+              <a:rPr lang="en-US" altLang="ko-KR" sz="1200" b="1" i="0" kern="1200" dirty="0" smtClean="0">
+                <a:solidFill>
+                  <a:schemeClr val="tx1"/>
+                </a:solidFill>
+                <a:effectLst/>
+                <a:latin typeface="+mn-lt"/>
+                <a:ea typeface="+mn-ea"/>
+                <a:cs typeface="+mn-cs"/>
+              </a:rPr>
+              <a:t>DTO </a:t>
+            </a:r>
+            <a:r>
+              <a:rPr lang="ko-KR" altLang="en-US" sz="1200" b="1" i="0" kern="1200" dirty="0" smtClean="0">
+                <a:solidFill>
+                  <a:schemeClr val="tx1"/>
+                </a:solidFill>
+                <a:effectLst/>
+                <a:latin typeface="+mn-lt"/>
+                <a:ea typeface="+mn-ea"/>
+                <a:cs typeface="+mn-cs"/>
+              </a:rPr>
+              <a:t>즉 </a:t>
+            </a:r>
+            <a:r>
+              <a:rPr lang="ko-KR" altLang="en-US" dirty="0" smtClean="0"/>
+              <a:t>계층간 데이터 교환을 위한 객체들이</a:t>
+            </a:r>
+            <a:r>
+              <a:rPr lang="ko-KR" altLang="en-US" baseline="0" dirty="0" smtClean="0"/>
+              <a:t> 생성되고</a:t>
+            </a:r>
+            <a:endParaRPr lang="en-US" altLang="ko-KR" dirty="0" smtClean="0"/>
+          </a:p>
+          <a:p>
+            <a:pPr marL="0" marR="0" indent="0" algn="l" defTabSz="914400" rtl="0" eaLnBrk="1" fontAlgn="auto" latinLnBrk="1" hangingPunct="1">
+              <a:lnSpc>
+                <a:spcPct val="100000"/>
+              </a:lnSpc>
+              <a:spcBef>
+                <a:spcPts val="0"/>
+              </a:spcBef>
+              <a:spcAft>
+                <a:spcPts val="0"/>
+              </a:spcAft>
+              <a:buClrTx/>
+              <a:buSzTx/>
+              <a:buFontTx/>
+              <a:buNone/>
+              <a:tabLst/>
+              <a:defRPr/>
+            </a:pPr>
+            <a:r>
+              <a:rPr lang="en-US" altLang="ko-KR" sz="1200" b="1" i="0" kern="1200" dirty="0" smtClean="0">
+                <a:solidFill>
+                  <a:schemeClr val="tx1"/>
+                </a:solidFill>
+                <a:effectLst/>
+                <a:latin typeface="+mn-lt"/>
+                <a:ea typeface="+mn-ea"/>
+                <a:cs typeface="+mn-cs"/>
+              </a:rPr>
+              <a:t>DAO </a:t>
+            </a:r>
+            <a:r>
+              <a:rPr lang="ko-KR" altLang="en-US" sz="1200" b="1" i="0" kern="1200" dirty="0" smtClean="0">
+                <a:solidFill>
+                  <a:schemeClr val="tx1"/>
+                </a:solidFill>
+                <a:effectLst/>
+                <a:latin typeface="+mn-lt"/>
+                <a:ea typeface="+mn-ea"/>
+                <a:cs typeface="+mn-cs"/>
+              </a:rPr>
+              <a:t>즉 </a:t>
+            </a:r>
+            <a:r>
+              <a:rPr lang="ko-KR" altLang="en-US" dirty="0" smtClean="0"/>
+              <a:t>계층간 데이터 접근을 위한 객체에게 전달됩니다</a:t>
+            </a:r>
+            <a:r>
+              <a:rPr lang="en-US" altLang="ko-KR" dirty="0" smtClean="0"/>
+              <a:t>.</a:t>
+            </a:r>
+          </a:p>
+          <a:p>
+            <a:pPr marL="0" marR="0" indent="0" algn="l" defTabSz="914400" rtl="0" eaLnBrk="1" fontAlgn="auto" latinLnBrk="1" hangingPunct="1">
+              <a:lnSpc>
+                <a:spcPct val="100000"/>
+              </a:lnSpc>
+              <a:spcBef>
+                <a:spcPts val="0"/>
+              </a:spcBef>
+              <a:spcAft>
+                <a:spcPts val="0"/>
+              </a:spcAft>
+              <a:buClrTx/>
+              <a:buSzTx/>
+              <a:buFontTx/>
+              <a:buNone/>
+              <a:tabLst/>
+              <a:defRPr/>
+            </a:pPr>
+            <a:r>
+              <a:rPr lang="ko-KR" altLang="en-US" dirty="0" smtClean="0"/>
+              <a:t>그리고 서비스를 통해 </a:t>
+            </a:r>
+            <a:r>
+              <a:rPr lang="en-US" altLang="ko-KR" dirty="0" smtClean="0"/>
+              <a:t>Manager User Interface</a:t>
+            </a:r>
+            <a:r>
+              <a:rPr lang="ko-KR" altLang="en-US" dirty="0" smtClean="0"/>
+              <a:t>에 연결됩니다</a:t>
+            </a:r>
+            <a:r>
+              <a:rPr lang="en-US" altLang="ko-KR" dirty="0" smtClean="0"/>
+              <a:t>.</a:t>
+            </a:r>
+          </a:p>
+          <a:p>
+            <a:pPr marL="0" marR="0" indent="0" algn="l" defTabSz="914400" rtl="0" eaLnBrk="1" fontAlgn="auto" latinLnBrk="1" hangingPunct="1">
+              <a:lnSpc>
+                <a:spcPct val="100000"/>
+              </a:lnSpc>
+              <a:spcBef>
+                <a:spcPts val="0"/>
+              </a:spcBef>
+              <a:spcAft>
+                <a:spcPts val="0"/>
+              </a:spcAft>
+              <a:buClrTx/>
+              <a:buSzTx/>
+              <a:buFontTx/>
+              <a:buNone/>
+              <a:tabLst/>
+              <a:defRPr/>
+            </a:pPr>
+            <a:r>
+              <a:rPr lang="en-US" altLang="ko-KR" dirty="0" err="1" smtClean="0"/>
+              <a:t>ManagerUI</a:t>
+            </a:r>
+            <a:r>
+              <a:rPr lang="ko-KR" altLang="en-US" dirty="0" smtClean="0"/>
+              <a:t>는 </a:t>
+            </a:r>
+            <a:r>
+              <a:rPr lang="en-US" altLang="ko-KR" dirty="0" smtClean="0"/>
+              <a:t>Content</a:t>
+            </a:r>
+            <a:r>
+              <a:rPr lang="en-US" altLang="ko-KR" baseline="0" dirty="0" smtClean="0"/>
+              <a:t> Panel Class </a:t>
+            </a:r>
+            <a:r>
+              <a:rPr lang="ko-KR" altLang="en-US" baseline="0" dirty="0" smtClean="0"/>
+              <a:t>과 </a:t>
+            </a:r>
+            <a:r>
+              <a:rPr lang="en-US" altLang="ko-KR" baseline="0" dirty="0" smtClean="0"/>
+              <a:t>Table </a:t>
+            </a:r>
+            <a:r>
+              <a:rPr lang="ko-KR" altLang="en-US" baseline="0" dirty="0" smtClean="0"/>
+              <a:t>기능들이 있는 </a:t>
+            </a:r>
+            <a:r>
+              <a:rPr lang="en-US" altLang="ko-KR" baseline="0" dirty="0" smtClean="0"/>
+              <a:t>List Class</a:t>
+            </a:r>
+            <a:r>
+              <a:rPr lang="ko-KR" altLang="en-US" baseline="0" dirty="0" smtClean="0"/>
+              <a:t>로 구성되어 있습니다</a:t>
+            </a:r>
+            <a:r>
+              <a:rPr lang="en-US" altLang="ko-KR" baseline="0" dirty="0" smtClean="0"/>
+              <a:t>.</a:t>
+            </a:r>
           </a:p>
           <a:p>
             <a:endParaRPr lang="ko-KR" altLang="en-US" dirty="0"/>
@@ -2978,10 +3722,242 @@
               <a:defRPr/>
             </a:pPr>
             <a:r>
-              <a:rPr lang="en-US" altLang="ko-KR" sz="1200" dirty="0" smtClean="0"/>
-              <a:t>http://minheeblog.tistory.com/category/PPT</a:t>
-            </a:r>
-            <a:endParaRPr lang="ko-KR" altLang="en-US" sz="1200" dirty="0" smtClean="0"/>
+              <a:rPr lang="ko-KR" altLang="en-US" baseline="0" dirty="0" smtClean="0"/>
+              <a:t>학생 정보에 대한 기능을 보여주는 </a:t>
+            </a:r>
+            <a:r>
+              <a:rPr lang="en-US" altLang="ko-KR" baseline="0" dirty="0" err="1" smtClean="0"/>
+              <a:t>StudentManagerUI</a:t>
+            </a:r>
+            <a:r>
+              <a:rPr lang="ko-KR" altLang="en-US" baseline="0" dirty="0" smtClean="0"/>
+              <a:t>로 예를 들면</a:t>
+            </a:r>
+            <a:endParaRPr lang="en-US" altLang="ko-KR" baseline="0" dirty="0" smtClean="0"/>
+          </a:p>
+          <a:p>
+            <a:pPr marL="0" marR="0" indent="0" algn="l" defTabSz="914400" rtl="0" eaLnBrk="1" fontAlgn="auto" latinLnBrk="1" hangingPunct="1">
+              <a:lnSpc>
+                <a:spcPct val="100000"/>
+              </a:lnSpc>
+              <a:spcBef>
+                <a:spcPts val="0"/>
+              </a:spcBef>
+              <a:spcAft>
+                <a:spcPts val="0"/>
+              </a:spcAft>
+              <a:buClrTx/>
+              <a:buSzTx/>
+              <a:buFontTx/>
+              <a:buNone/>
+              <a:tabLst/>
+              <a:defRPr/>
+            </a:pPr>
+            <a:r>
+              <a:rPr lang="ko-KR" altLang="en-US" baseline="0" dirty="0" smtClean="0"/>
+              <a:t>학생 정보 들이 담겨있는 </a:t>
+            </a:r>
+            <a:r>
+              <a:rPr lang="en-US" altLang="ko-KR" baseline="0" dirty="0" smtClean="0"/>
+              <a:t>DTO</a:t>
+            </a:r>
+            <a:r>
+              <a:rPr lang="ko-KR" altLang="en-US" baseline="0" dirty="0" smtClean="0"/>
+              <a:t>가 </a:t>
+            </a:r>
+            <a:r>
+              <a:rPr lang="en-US" altLang="ko-KR" baseline="0" dirty="0" smtClean="0"/>
+              <a:t>DB</a:t>
+            </a:r>
+            <a:r>
+              <a:rPr lang="ko-KR" altLang="en-US" baseline="0" dirty="0" smtClean="0"/>
+              <a:t> </a:t>
+            </a:r>
+            <a:r>
+              <a:rPr lang="ko-KR" altLang="en-US" baseline="0" dirty="0" err="1" smtClean="0"/>
+              <a:t>접근을위해</a:t>
+            </a:r>
+            <a:r>
+              <a:rPr lang="ko-KR" altLang="en-US" baseline="0" dirty="0" smtClean="0"/>
+              <a:t> </a:t>
+            </a:r>
+            <a:r>
+              <a:rPr lang="en-US" altLang="ko-KR" baseline="0" dirty="0" smtClean="0"/>
+              <a:t>DAO</a:t>
+            </a:r>
+            <a:r>
+              <a:rPr lang="ko-KR" altLang="en-US" baseline="0" dirty="0" smtClean="0"/>
+              <a:t>로 연결되고 </a:t>
+            </a:r>
+            <a:r>
+              <a:rPr lang="en-US" altLang="ko-KR" baseline="0" dirty="0" err="1" smtClean="0"/>
+              <a:t>Impl</a:t>
+            </a:r>
+            <a:r>
+              <a:rPr lang="ko-KR" altLang="en-US" baseline="0" dirty="0" smtClean="0"/>
+              <a:t>에서 </a:t>
+            </a:r>
+            <a:r>
+              <a:rPr lang="ko-KR" altLang="en-US" baseline="0" dirty="0" err="1" smtClean="0"/>
+              <a:t>구현후</a:t>
+            </a:r>
+            <a:r>
+              <a:rPr lang="ko-KR" altLang="en-US" baseline="0" dirty="0" smtClean="0"/>
+              <a:t> </a:t>
+            </a:r>
+            <a:r>
+              <a:rPr lang="en-US" altLang="ko-KR" baseline="0" dirty="0" smtClean="0"/>
+              <a:t>Service</a:t>
+            </a:r>
+            <a:r>
+              <a:rPr lang="ko-KR" altLang="en-US" baseline="0" dirty="0" smtClean="0"/>
+              <a:t>를 통해 </a:t>
+            </a:r>
+            <a:r>
+              <a:rPr lang="en-US" altLang="ko-KR" baseline="0" dirty="0" err="1" smtClean="0"/>
+              <a:t>StudentManagerUI</a:t>
+            </a:r>
+            <a:r>
+              <a:rPr lang="ko-KR" altLang="en-US" baseline="0" dirty="0" smtClean="0"/>
+              <a:t>로 연결됩니다</a:t>
+            </a:r>
+            <a:r>
+              <a:rPr lang="en-US" altLang="ko-KR" baseline="0" dirty="0" smtClean="0"/>
+              <a:t>.</a:t>
+            </a:r>
+          </a:p>
+          <a:p>
+            <a:pPr marL="0" marR="0" indent="0" algn="l" defTabSz="914400" rtl="0" eaLnBrk="1" fontAlgn="auto" latinLnBrk="1" hangingPunct="1">
+              <a:lnSpc>
+                <a:spcPct val="100000"/>
+              </a:lnSpc>
+              <a:spcBef>
+                <a:spcPts val="0"/>
+              </a:spcBef>
+              <a:spcAft>
+                <a:spcPts val="0"/>
+              </a:spcAft>
+              <a:buClrTx/>
+              <a:buSzTx/>
+              <a:buFontTx/>
+              <a:buNone/>
+              <a:tabLst/>
+              <a:defRPr/>
+            </a:pPr>
+            <a:r>
+              <a:rPr lang="ko-KR" altLang="en-US" baseline="0" dirty="0" smtClean="0"/>
+              <a:t>그 </a:t>
+            </a:r>
+            <a:r>
+              <a:rPr lang="en-US" altLang="ko-KR" baseline="0" dirty="0" err="1" smtClean="0"/>
+              <a:t>StudentManagerUI</a:t>
+            </a:r>
+            <a:r>
+              <a:rPr lang="ko-KR" altLang="en-US" baseline="0" dirty="0" smtClean="0"/>
+              <a:t>는 </a:t>
+            </a:r>
+            <a:r>
+              <a:rPr lang="en-US" altLang="ko-KR" baseline="0" dirty="0" err="1" smtClean="0"/>
+              <a:t>StudentPanel</a:t>
+            </a:r>
+            <a:r>
+              <a:rPr lang="en-US" altLang="ko-KR" baseline="0" dirty="0" smtClean="0"/>
+              <a:t> </a:t>
+            </a:r>
+            <a:r>
+              <a:rPr lang="ko-KR" altLang="en-US" baseline="0" dirty="0" err="1" smtClean="0"/>
+              <a:t>클래스과</a:t>
+            </a:r>
+            <a:r>
+              <a:rPr lang="ko-KR" altLang="en-US" baseline="0" dirty="0" smtClean="0"/>
+              <a:t> </a:t>
+            </a:r>
+            <a:r>
+              <a:rPr lang="en-US" altLang="ko-KR" baseline="0" dirty="0" err="1" smtClean="0"/>
+              <a:t>StudentList</a:t>
+            </a:r>
+            <a:r>
+              <a:rPr lang="en-US" altLang="ko-KR" baseline="0" dirty="0" smtClean="0"/>
+              <a:t> </a:t>
+            </a:r>
+            <a:r>
+              <a:rPr lang="ko-KR" altLang="en-US" baseline="0" dirty="0" smtClean="0"/>
+              <a:t>클래스로 구성되어 있습니다</a:t>
+            </a:r>
+            <a:r>
+              <a:rPr lang="en-US" altLang="ko-KR" baseline="0" dirty="0" smtClean="0"/>
+              <a:t>.</a:t>
+            </a:r>
+          </a:p>
+          <a:p>
+            <a:pPr marL="0" marR="0" indent="0" algn="l" defTabSz="914400" rtl="0" eaLnBrk="1" fontAlgn="auto" latinLnBrk="1" hangingPunct="1">
+              <a:lnSpc>
+                <a:spcPct val="100000"/>
+              </a:lnSpc>
+              <a:spcBef>
+                <a:spcPts val="0"/>
+              </a:spcBef>
+              <a:spcAft>
+                <a:spcPts val="0"/>
+              </a:spcAft>
+              <a:buClrTx/>
+              <a:buSzTx/>
+              <a:buFontTx/>
+              <a:buNone/>
+              <a:tabLst/>
+              <a:defRPr/>
+            </a:pPr>
+            <a:endParaRPr lang="en-US" altLang="ko-KR" baseline="0" dirty="0" smtClean="0"/>
+          </a:p>
+          <a:p>
+            <a:pPr marL="0" marR="0" indent="0" algn="l" defTabSz="914400" rtl="0" eaLnBrk="1" fontAlgn="auto" latinLnBrk="1" hangingPunct="1">
+              <a:lnSpc>
+                <a:spcPct val="100000"/>
+              </a:lnSpc>
+              <a:spcBef>
+                <a:spcPts val="0"/>
+              </a:spcBef>
+              <a:spcAft>
+                <a:spcPts val="0"/>
+              </a:spcAft>
+              <a:buClrTx/>
+              <a:buSzTx/>
+              <a:buFontTx/>
+              <a:buNone/>
+              <a:tabLst/>
+              <a:defRPr/>
+            </a:pPr>
+            <a:r>
+              <a:rPr lang="ko-KR" altLang="en-US" baseline="0" dirty="0" smtClean="0"/>
+              <a:t>다른 </a:t>
+            </a:r>
+            <a:r>
+              <a:rPr lang="en-US" altLang="ko-KR" baseline="0" dirty="0" smtClean="0"/>
+              <a:t>Subject, Score </a:t>
+            </a:r>
+            <a:r>
+              <a:rPr lang="ko-KR" altLang="en-US" baseline="0" dirty="0" smtClean="0"/>
+              <a:t>등등 클래스도 기본적을 </a:t>
+            </a:r>
+            <a:r>
+              <a:rPr lang="ko-KR" altLang="en-US" baseline="0" dirty="0" err="1" smtClean="0"/>
+              <a:t>이와같은</a:t>
+            </a:r>
+            <a:r>
+              <a:rPr lang="ko-KR" altLang="en-US" baseline="0" dirty="0" smtClean="0"/>
+              <a:t> 관계를 </a:t>
+            </a:r>
+            <a:r>
+              <a:rPr lang="ko-KR" altLang="en-US" baseline="0" dirty="0" err="1" smtClean="0"/>
+              <a:t>맻고있습니다</a:t>
+            </a:r>
+            <a:r>
+              <a:rPr lang="en-US" altLang="ko-KR" baseline="0" dirty="0" smtClean="0"/>
+              <a:t>.</a:t>
+            </a:r>
+          </a:p>
+          <a:p>
+            <a:endParaRPr lang="ko-KR" altLang="en-US" dirty="0" smtClean="0"/>
           </a:p>
           <a:p>
             <a:endParaRPr lang="ko-KR" altLang="en-US" dirty="0"/>
@@ -3089,12 +4065,100 @@
               <a:defRPr/>
             </a:pPr>
             <a:r>
+              <a:rPr lang="ko-KR" altLang="en-US" sz="1200" dirty="0" smtClean="0"/>
+              <a:t>다음은 주요기능 소개입니다</a:t>
+            </a:r>
+            <a:r>
               <a:rPr lang="en-US" altLang="ko-KR" sz="1200" dirty="0" smtClean="0"/>
-              <a:t>http://minheeblog.tistory.com/category/PPT</a:t>
-            </a:r>
-            <a:endParaRPr lang="ko-KR" altLang="en-US" sz="1200" dirty="0" smtClean="0"/>
-          </a:p>
-          <a:p>
+              <a:t>.</a:t>
+            </a:r>
+          </a:p>
+          <a:p>
+            <a:pPr marL="0" marR="0" indent="0" algn="l" defTabSz="914400" rtl="0" eaLnBrk="1" fontAlgn="auto" latinLnBrk="1" hangingPunct="1">
+              <a:lnSpc>
+                <a:spcPct val="100000"/>
+              </a:lnSpc>
+              <a:spcBef>
+                <a:spcPts val="0"/>
+              </a:spcBef>
+              <a:spcAft>
+                <a:spcPts val="0"/>
+              </a:spcAft>
+              <a:buClrTx/>
+              <a:buSzTx/>
+              <a:buFontTx/>
+              <a:buNone/>
+              <a:tabLst/>
+              <a:defRPr/>
+            </a:pPr>
+            <a:endParaRPr lang="en-US" altLang="ko-KR" sz="1200" baseline="0" dirty="0" smtClean="0"/>
+          </a:p>
+          <a:p>
+            <a:pPr marL="0" marR="0" indent="0" algn="l" defTabSz="914400" rtl="0" eaLnBrk="1" fontAlgn="auto" latinLnBrk="1" hangingPunct="1">
+              <a:lnSpc>
+                <a:spcPct val="100000"/>
+              </a:lnSpc>
+              <a:spcBef>
+                <a:spcPts val="0"/>
+              </a:spcBef>
+              <a:spcAft>
+                <a:spcPts val="0"/>
+              </a:spcAft>
+              <a:buClrTx/>
+              <a:buSzTx/>
+              <a:buFontTx/>
+              <a:buNone/>
+              <a:tabLst/>
+              <a:defRPr/>
+            </a:pPr>
+            <a:r>
+              <a:rPr lang="ko-KR" altLang="en-US" sz="1200" baseline="0" dirty="0" smtClean="0"/>
+              <a:t>학생</a:t>
+            </a:r>
+            <a:r>
+              <a:rPr lang="en-US" altLang="ko-KR" sz="1200" baseline="0" dirty="0" smtClean="0"/>
+              <a:t>, </a:t>
+            </a:r>
+            <a:r>
+              <a:rPr lang="ko-KR" altLang="en-US" sz="1200" baseline="0" dirty="0" smtClean="0"/>
+              <a:t>성적 </a:t>
+            </a:r>
+            <a:r>
+              <a:rPr lang="en-US" altLang="ko-KR" sz="1200" baseline="0" dirty="0" smtClean="0"/>
+              <a:t>,</a:t>
+            </a:r>
+            <a:r>
+              <a:rPr lang="ko-KR" altLang="en-US" sz="1200" baseline="0" dirty="0" smtClean="0"/>
+              <a:t>과목 </a:t>
+            </a:r>
+            <a:r>
+              <a:rPr lang="en-US" altLang="ko-KR" sz="1200" baseline="0" dirty="0" smtClean="0"/>
+              <a:t>,</a:t>
+            </a:r>
+            <a:r>
+              <a:rPr lang="ko-KR" altLang="en-US" sz="1200" baseline="0" dirty="0" err="1" smtClean="0"/>
+              <a:t>학반</a:t>
+            </a:r>
+            <a:r>
+              <a:rPr lang="ko-KR" altLang="en-US" sz="1200" baseline="0" dirty="0" smtClean="0"/>
+              <a:t> </a:t>
+            </a:r>
+            <a:r>
+              <a:rPr lang="en-US" altLang="ko-KR" sz="1200" baseline="0" dirty="0" smtClean="0"/>
+              <a:t>,</a:t>
+            </a:r>
+            <a:r>
+              <a:rPr lang="ko-KR" altLang="en-US" sz="1200" baseline="0" dirty="0" smtClean="0"/>
+              <a:t>학생조회 </a:t>
+            </a:r>
+            <a:r>
+              <a:rPr lang="en-US" altLang="ko-KR" sz="1200" baseline="0" dirty="0" smtClean="0"/>
+              <a:t>,</a:t>
+            </a:r>
+            <a:r>
+              <a:rPr lang="ko-KR" altLang="en-US" sz="1200" baseline="0" dirty="0" smtClean="0"/>
+              <a:t>전체조회 프레임으로 구성되어있습니다</a:t>
+            </a:r>
             <a:endParaRPr lang="ko-KR" altLang="en-US" dirty="0"/>
           </a:p>
         </p:txBody>
@@ -3200,10 +4264,138 @@
               <a:defRPr/>
             </a:pPr>
             <a:r>
+              <a:rPr lang="ko-KR" altLang="en-US" sz="1200" dirty="0" smtClean="0"/>
+              <a:t>학생 관리를 누르면 학생 추가</a:t>
+            </a:r>
+            <a:r>
               <a:rPr lang="en-US" altLang="ko-KR" sz="1200" dirty="0" smtClean="0"/>
-              <a:t>http://minheeblog.tistory.com/category/PPT</a:t>
-            </a:r>
-            <a:endParaRPr lang="ko-KR" altLang="en-US" sz="1200" dirty="0" smtClean="0"/>
+              <a:t>, </a:t>
+            </a:r>
+            <a:r>
+              <a:rPr lang="ko-KR" altLang="en-US" sz="1200" dirty="0" smtClean="0"/>
+              <a:t>삭제</a:t>
+            </a:r>
+            <a:r>
+              <a:rPr lang="en-US" altLang="ko-KR" sz="1200" dirty="0" smtClean="0"/>
+              <a:t>, </a:t>
+            </a:r>
+            <a:r>
+              <a:rPr lang="ko-KR" altLang="en-US" sz="1200" dirty="0" smtClean="0"/>
+              <a:t>수정 및 세부정보관리를 할 수 있으며</a:t>
+            </a:r>
+          </a:p>
+          <a:p>
+            <a:r>
+              <a:rPr lang="ko-KR" altLang="en-US" dirty="0" smtClean="0"/>
+              <a:t>성적 관리를 누르면 과목별 성적 입력</a:t>
+            </a:r>
+            <a:r>
+              <a:rPr lang="en-US" altLang="ko-KR" dirty="0" smtClean="0"/>
+              <a:t>,</a:t>
+            </a:r>
+            <a:r>
+              <a:rPr lang="ko-KR" altLang="en-US" dirty="0" smtClean="0"/>
+              <a:t> 엑셀 데이터로 학생 및 성적 추가</a:t>
+            </a:r>
+            <a:r>
+              <a:rPr lang="en-US" altLang="ko-KR" dirty="0" smtClean="0"/>
+              <a:t>, </a:t>
+            </a:r>
+            <a:r>
+              <a:rPr lang="ko-KR" altLang="en-US" dirty="0" smtClean="0"/>
+              <a:t>엑셀 데이터로 출력을 할 수 있습니다</a:t>
+            </a:r>
+            <a:r>
+              <a:rPr lang="en-US" altLang="ko-KR" dirty="0" smtClean="0"/>
+              <a:t>.</a:t>
+            </a:r>
+            <a:endParaRPr lang="ko-KR" altLang="en-US" dirty="0" smtClean="0"/>
+          </a:p>
+          <a:p>
+            <a:r>
+              <a:rPr lang="ko-KR" altLang="en-US" dirty="0" smtClean="0"/>
+              <a:t>과목 관리 에서는 과목 추가</a:t>
+            </a:r>
+            <a:r>
+              <a:rPr lang="en-US" altLang="ko-KR" dirty="0" smtClean="0"/>
+              <a:t>, </a:t>
+            </a:r>
+            <a:r>
+              <a:rPr lang="ko-KR" altLang="en-US" dirty="0" smtClean="0"/>
+              <a:t>삭제</a:t>
+            </a:r>
+          </a:p>
+          <a:p>
+            <a:r>
+              <a:rPr lang="ko-KR" altLang="en-US" dirty="0" err="1" smtClean="0"/>
+              <a:t>학반</a:t>
+            </a:r>
+            <a:r>
+              <a:rPr lang="ko-KR" altLang="en-US" dirty="0" smtClean="0"/>
+              <a:t> 관리 에서는 </a:t>
+            </a:r>
+            <a:r>
+              <a:rPr lang="ko-KR" altLang="en-US" dirty="0" err="1" smtClean="0"/>
+              <a:t>학반</a:t>
+            </a:r>
+            <a:r>
+              <a:rPr lang="ko-KR" altLang="en-US" dirty="0" smtClean="0"/>
+              <a:t> 추가</a:t>
+            </a:r>
+            <a:r>
+              <a:rPr lang="en-US" altLang="ko-KR" dirty="0" smtClean="0"/>
+              <a:t>, </a:t>
+            </a:r>
+            <a:r>
+              <a:rPr lang="ko-KR" altLang="en-US" dirty="0" smtClean="0"/>
+              <a:t>삭제</a:t>
+            </a:r>
+            <a:r>
+              <a:rPr lang="ko-KR" altLang="en-US" baseline="0" dirty="0" smtClean="0"/>
+              <a:t> 가 가능합니다</a:t>
+            </a:r>
+            <a:r>
+              <a:rPr lang="en-US" altLang="ko-KR" baseline="0" dirty="0" smtClean="0"/>
+              <a:t>.</a:t>
+            </a:r>
+          </a:p>
+          <a:p>
+            <a:r>
+              <a:rPr lang="ko-KR" altLang="en-US" baseline="0" dirty="0" smtClean="0"/>
+              <a:t>학생 조회 에서는 </a:t>
+            </a:r>
+            <a:r>
+              <a:rPr lang="ko-KR" altLang="en-US" dirty="0" smtClean="0"/>
+              <a:t>학생 이름으로 조회가 가능하며</a:t>
+            </a:r>
+            <a:endParaRPr lang="en-US" altLang="ko-KR" dirty="0" smtClean="0"/>
+          </a:p>
+          <a:p>
+            <a:r>
+              <a:rPr lang="ko-KR" altLang="en-US" dirty="0" smtClean="0"/>
+              <a:t>전체 조회 에서는 반 별 검색</a:t>
+            </a:r>
+            <a:r>
+              <a:rPr lang="en-US" altLang="ko-KR" dirty="0" smtClean="0"/>
+              <a:t>,</a:t>
+            </a:r>
+            <a:r>
+              <a:rPr lang="ko-KR" altLang="en-US" dirty="0" smtClean="0"/>
+              <a:t> 검색할 학생 수 설정</a:t>
+            </a:r>
+            <a:r>
+              <a:rPr lang="en-US" altLang="ko-KR" dirty="0" smtClean="0"/>
+              <a:t>,</a:t>
+            </a:r>
+            <a:r>
+              <a:rPr lang="ko-KR" altLang="en-US" dirty="0" smtClean="0"/>
+              <a:t> 과목별 정렬이 가능합니다</a:t>
+            </a:r>
+            <a:r>
+              <a:rPr lang="en-US" altLang="ko-KR" dirty="0" smtClean="0"/>
+              <a:t>.</a:t>
+            </a:r>
+            <a:endParaRPr lang="ko-KR" altLang="en-US" dirty="0" smtClean="0"/>
           </a:p>
           <a:p>
             <a:endParaRPr lang="ko-KR" altLang="en-US" dirty="0"/>
@@ -3429,7 +4621,7 @@
             <a:fld id="{A22FE722-38C7-4231-8BB5-7A27D4E5977D}" type="datetimeFigureOut">
               <a:rPr lang="ko-KR" altLang="en-US" smtClean="0"/>
               <a:pPr/>
-              <a:t>2021-04-29</a:t>
+              <a:t>2021-04-30</a:t>
             </a:fld>
             <a:endParaRPr lang="ko-KR" altLang="en-US" dirty="0"/>
           </a:p>
@@ -3596,7 +4788,7 @@
             <a:fld id="{A22FE722-38C7-4231-8BB5-7A27D4E5977D}" type="datetimeFigureOut">
               <a:rPr lang="ko-KR" altLang="en-US" smtClean="0"/>
               <a:pPr/>
-              <a:t>2021-04-29</a:t>
+              <a:t>2021-04-30</a:t>
             </a:fld>
             <a:endParaRPr lang="ko-KR" altLang="en-US" dirty="0"/>
           </a:p>
@@ -3773,7 +4965,7 @@
             <a:fld id="{A22FE722-38C7-4231-8BB5-7A27D4E5977D}" type="datetimeFigureOut">
               <a:rPr lang="ko-KR" altLang="en-US" smtClean="0"/>
               <a:pPr/>
-              <a:t>2021-04-29</a:t>
+              <a:t>2021-04-30</a:t>
             </a:fld>
             <a:endParaRPr lang="ko-KR" altLang="en-US" dirty="0"/>
           </a:p>
@@ -3940,7 +5132,7 @@
             <a:fld id="{A22FE722-38C7-4231-8BB5-7A27D4E5977D}" type="datetimeFigureOut">
               <a:rPr lang="ko-KR" altLang="en-US" smtClean="0"/>
               <a:pPr/>
-              <a:t>2021-04-29</a:t>
+              <a:t>2021-04-30</a:t>
             </a:fld>
             <a:endParaRPr lang="ko-KR" altLang="en-US" dirty="0"/>
           </a:p>
@@ -4183,7 +5375,7 @@
             <a:fld id="{A22FE722-38C7-4231-8BB5-7A27D4E5977D}" type="datetimeFigureOut">
               <a:rPr lang="ko-KR" altLang="en-US" smtClean="0"/>
               <a:pPr/>
-              <a:t>2021-04-29</a:t>
+              <a:t>2021-04-30</a:t>
             </a:fld>
             <a:endParaRPr lang="ko-KR" altLang="en-US" dirty="0"/>
           </a:p>
@@ -4468,7 +5660,7 @@
             <a:fld id="{A22FE722-38C7-4231-8BB5-7A27D4E5977D}" type="datetimeFigureOut">
               <a:rPr lang="ko-KR" altLang="en-US" smtClean="0"/>
               <a:pPr/>
-              <a:t>2021-04-29</a:t>
+              <a:t>2021-04-30</a:t>
             </a:fld>
             <a:endParaRPr lang="ko-KR" altLang="en-US" dirty="0"/>
           </a:p>
@@ -4887,7 +6079,7 @@
             <a:fld id="{A22FE722-38C7-4231-8BB5-7A27D4E5977D}" type="datetimeFigureOut">
               <a:rPr lang="ko-KR" altLang="en-US" smtClean="0"/>
               <a:pPr/>
-              <a:t>2021-04-29</a:t>
+              <a:t>2021-04-30</a:t>
             </a:fld>
             <a:endParaRPr lang="ko-KR" altLang="en-US" dirty="0"/>
           </a:p>
@@ -5002,7 +6194,7 @@
             <a:fld id="{A22FE722-38C7-4231-8BB5-7A27D4E5977D}" type="datetimeFigureOut">
               <a:rPr lang="ko-KR" altLang="en-US" smtClean="0"/>
               <a:pPr/>
-              <a:t>2021-04-29</a:t>
+              <a:t>2021-04-30</a:t>
             </a:fld>
             <a:endParaRPr lang="ko-KR" altLang="en-US" dirty="0"/>
           </a:p>
@@ -5094,7 +6286,7 @@
             <a:fld id="{A22FE722-38C7-4231-8BB5-7A27D4E5977D}" type="datetimeFigureOut">
               <a:rPr lang="ko-KR" altLang="en-US" smtClean="0"/>
               <a:pPr/>
-              <a:t>2021-04-29</a:t>
+              <a:t>2021-04-30</a:t>
             </a:fld>
             <a:endParaRPr lang="ko-KR" altLang="en-US" dirty="0"/>
           </a:p>
@@ -5375,7 +6567,7 @@
             <a:fld id="{A22FE722-38C7-4231-8BB5-7A27D4E5977D}" type="datetimeFigureOut">
               <a:rPr lang="ko-KR" altLang="en-US" smtClean="0"/>
               <a:pPr/>
-              <a:t>2021-04-29</a:t>
+              <a:t>2021-04-30</a:t>
             </a:fld>
             <a:endParaRPr lang="ko-KR" altLang="en-US" dirty="0"/>
           </a:p>
@@ -5625,7 +6817,7 @@
             <a:fld id="{A22FE722-38C7-4231-8BB5-7A27D4E5977D}" type="datetimeFigureOut">
               <a:rPr lang="ko-KR" altLang="en-US" smtClean="0"/>
               <a:pPr/>
-              <a:t>2021-04-29</a:t>
+              <a:t>2021-04-30</a:t>
             </a:fld>
             <a:endParaRPr lang="ko-KR" altLang="en-US" dirty="0"/>
           </a:p>
@@ -5835,7 +7027,7 @@
             <a:fld id="{A22FE722-38C7-4231-8BB5-7A27D4E5977D}" type="datetimeFigureOut">
               <a:rPr lang="ko-KR" altLang="en-US" smtClean="0"/>
               <a:pPr/>
-              <a:t>2021-04-29</a:t>
+              <a:t>2021-04-30</a:t>
             </a:fld>
             <a:endParaRPr lang="ko-KR" altLang="en-US" dirty="0"/>
           </a:p>
@@ -16747,7 +17939,7 @@
           <p:cNvPr id="30" name="직사각형 29">
             <a:extLst>
               <a:ext uri="{FF2B5EF4-FFF2-40B4-BE49-F238E27FC236}">
-                <a16:creationId xmlns:a16="http://schemas.microsoft.com/office/drawing/2014/main" xmlns="" id="{3FA00699-5178-465A-9F3F-130CF1431F70}"/>
+                <a16:creationId xmlns="" xmlns:a16="http://schemas.microsoft.com/office/drawing/2014/main" id="{3FA00699-5178-465A-9F3F-130CF1431F70}"/>
               </a:ext>
             </a:extLst>
           </p:cNvPr>
@@ -16808,7 +18000,7 @@
           <p:cNvPr id="31" name="직사각형 30">
             <a:extLst>
               <a:ext uri="{FF2B5EF4-FFF2-40B4-BE49-F238E27FC236}">
-                <a16:creationId xmlns:a16="http://schemas.microsoft.com/office/drawing/2014/main" xmlns="" id="{3FA00699-5178-465A-9F3F-130CF1431F70}"/>
+                <a16:creationId xmlns="" xmlns:a16="http://schemas.microsoft.com/office/drawing/2014/main" id="{3FA00699-5178-465A-9F3F-130CF1431F70}"/>
               </a:ext>
             </a:extLst>
           </p:cNvPr>
@@ -16861,7 +18053,7 @@
           <p:cNvPr id="32" name="직사각형 31">
             <a:extLst>
               <a:ext uri="{FF2B5EF4-FFF2-40B4-BE49-F238E27FC236}">
-                <a16:creationId xmlns:a16="http://schemas.microsoft.com/office/drawing/2014/main" xmlns="" id="{3FA00699-5178-465A-9F3F-130CF1431F70}"/>
+                <a16:creationId xmlns="" xmlns:a16="http://schemas.microsoft.com/office/drawing/2014/main" id="{3FA00699-5178-465A-9F3F-130CF1431F70}"/>
               </a:ext>
             </a:extLst>
           </p:cNvPr>
@@ -16942,7 +18134,7 @@
           <p:cNvPr id="33" name="직사각형 32">
             <a:extLst>
               <a:ext uri="{FF2B5EF4-FFF2-40B4-BE49-F238E27FC236}">
-                <a16:creationId xmlns:a16="http://schemas.microsoft.com/office/drawing/2014/main" xmlns="" id="{3FA00699-5178-465A-9F3F-130CF1431F70}"/>
+                <a16:creationId xmlns="" xmlns:a16="http://schemas.microsoft.com/office/drawing/2014/main" id="{3FA00699-5178-465A-9F3F-130CF1431F70}"/>
               </a:ext>
             </a:extLst>
           </p:cNvPr>
@@ -16995,7 +18187,7 @@
           <p:cNvPr id="34" name="직사각형 33">
             <a:extLst>
               <a:ext uri="{FF2B5EF4-FFF2-40B4-BE49-F238E27FC236}">
-                <a16:creationId xmlns:a16="http://schemas.microsoft.com/office/drawing/2014/main" xmlns="" id="{3FA00699-5178-465A-9F3F-130CF1431F70}"/>
+                <a16:creationId xmlns="" xmlns:a16="http://schemas.microsoft.com/office/drawing/2014/main" id="{3FA00699-5178-465A-9F3F-130CF1431F70}"/>
               </a:ext>
             </a:extLst>
           </p:cNvPr>
@@ -17053,7 +18245,7 @@
           <p:cNvPr id="35" name="직사각형 34">
             <a:extLst>
               <a:ext uri="{FF2B5EF4-FFF2-40B4-BE49-F238E27FC236}">
-                <a16:creationId xmlns:a16="http://schemas.microsoft.com/office/drawing/2014/main" xmlns="" id="{3FA00699-5178-465A-9F3F-130CF1431F70}"/>
+                <a16:creationId xmlns="" xmlns:a16="http://schemas.microsoft.com/office/drawing/2014/main" id="{3FA00699-5178-465A-9F3F-130CF1431F70}"/>
               </a:ext>
             </a:extLst>
           </p:cNvPr>
@@ -18364,27 +19556,27 @@
       </p:grpSp>
       <p:grpSp>
         <p:nvGrpSpPr>
-          <p:cNvPr id="108" name="그룹 107"/>
+          <p:cNvPr id="114" name="그룹 113"/>
           <p:cNvGrpSpPr/>
           <p:nvPr/>
         </p:nvGrpSpPr>
         <p:grpSpPr>
           <a:xfrm>
-            <a:off x="247851" y="620688"/>
+            <a:off x="263674" y="620687"/>
             <a:ext cx="8640960" cy="5976664"/>
-            <a:chOff x="117642" y="7091930"/>
+            <a:chOff x="11268744" y="721863"/>
             <a:chExt cx="8640960" cy="5976664"/>
           </a:xfrm>
         </p:grpSpPr>
         <p:grpSp>
           <p:nvGrpSpPr>
-            <p:cNvPr id="67" name="그룹 66"/>
+            <p:cNvPr id="75" name="그룹 74"/>
             <p:cNvGrpSpPr/>
             <p:nvPr/>
           </p:nvGrpSpPr>
           <p:grpSpPr>
             <a:xfrm>
-              <a:off x="117642" y="7091930"/>
+              <a:off x="11268744" y="721863"/>
               <a:ext cx="8640960" cy="5976664"/>
               <a:chOff x="9468544" y="620688"/>
               <a:chExt cx="8640960" cy="5976664"/>
@@ -18392,7 +19584,7 @@
           </p:grpSpPr>
           <p:sp>
             <p:nvSpPr>
-              <p:cNvPr id="68" name="직사각형 67"/>
+              <p:cNvPr id="76" name="직사각형 75"/>
               <p:cNvSpPr/>
               <p:nvPr/>
             </p:nvSpPr>
@@ -18438,7 +19630,7 @@
           </p:sp>
           <p:pic>
             <p:nvPicPr>
-              <p:cNvPr id="69" name="그림 68"/>
+              <p:cNvPr id="77" name="그림 76"/>
               <p:cNvPicPr>
                 <a:picLocks noChangeAspect="1"/>
               </p:cNvPicPr>
@@ -18462,7 +19654,7 @@
           </p:pic>
           <p:sp>
             <p:nvSpPr>
-              <p:cNvPr id="70" name="TextBox 69"/>
+              <p:cNvPr id="78" name="TextBox 77"/>
               <p:cNvSpPr txBox="1"/>
               <p:nvPr/>
             </p:nvSpPr>
@@ -18523,14 +19715,14 @@
           </p:sp>
           <p:sp>
             <p:nvSpPr>
-              <p:cNvPr id="71" name="TextBox 70"/>
+              <p:cNvPr id="80" name="TextBox 79"/>
               <p:cNvSpPr txBox="1"/>
               <p:nvPr/>
             </p:nvSpPr>
             <p:spPr>
               <a:xfrm>
-                <a:off x="9474066" y="5274713"/>
-                <a:ext cx="8345264" cy="523220"/>
+                <a:off x="9540552" y="5272101"/>
+                <a:ext cx="7360824" cy="307777"/>
               </a:xfrm>
               <a:prstGeom prst="rect">
                 <a:avLst/>
@@ -18545,46 +19737,23 @@
               <a:p>
                 <a:r>
                   <a:rPr lang="ko-KR" altLang="en-US" sz="1400" dirty="0" smtClean="0"/>
-                  <a:t>○ 과목 테이블의 과목별 점수 모두 </a:t>
+                  <a:t>○ 학생에 대한 정보와 과목별 점수</a:t>
                 </a:r>
-                <a:r>
-                  <a:rPr lang="en-US" altLang="ko-KR" sz="1400" dirty="0" err="1" smtClean="0"/>
-                  <a:t>RowData</a:t>
-                </a:r>
-                <a:r>
-                  <a:rPr lang="ko-KR" altLang="en-US" sz="1400" dirty="0" smtClean="0"/>
-                  <a:t>로 생성되기 때문에 </a:t>
-                </a:r>
-                <a:r>
-                  <a:rPr lang="en-US" altLang="ko-KR" sz="1400" dirty="0" smtClean="0"/>
-                  <a:t>pivot</a:t>
-                </a:r>
-                <a:r>
-                  <a:rPr lang="ko-KR" altLang="en-US" sz="1400" dirty="0" smtClean="0"/>
-                  <a:t>을 사용하여 </a:t>
-                </a:r>
-                <a:r>
-                  <a:rPr lang="en-US" altLang="ko-KR" sz="1400" dirty="0" smtClean="0"/>
-                  <a:t>Column</a:t>
-                </a:r>
-                <a:r>
-                  <a:rPr lang="ko-KR" altLang="en-US" sz="1400" dirty="0" smtClean="0"/>
-                  <a:t>으로 볼 수 </a:t>
-                </a:r>
-                <a:endParaRPr lang="en-US" altLang="ko-KR" sz="1400" dirty="0"/>
-              </a:p>
-              <a:p>
                 <a:r>
                   <a:rPr lang="en-US" altLang="ko-KR" sz="1400" dirty="0"/>
                   <a:t> </a:t>
                 </a:r>
                 <a:r>
+                  <a:rPr lang="ko-KR" altLang="en-US" sz="1400" dirty="0" smtClean="0"/>
+                  <a:t>그리고 평균 까지 한번에 볼 수 있는 </a:t>
+                </a:r>
+                <a:r>
                   <a:rPr lang="en-US" altLang="ko-KR" sz="1400" dirty="0" smtClean="0"/>
-                  <a:t>   </a:t>
+                  <a:t>view</a:t>
                 </a:r>
                 <a:r>
                   <a:rPr lang="ko-KR" altLang="en-US" sz="1400" dirty="0" smtClean="0"/>
-                  <a:t>있게 하였으며</a:t>
+                  <a:t>를 생성했다</a:t>
                 </a:r>
                 <a:r>
                   <a:rPr lang="en-US" altLang="ko-KR" sz="1400" dirty="0" smtClean="0"/>
@@ -18596,7 +19765,7 @@
           </p:sp>
           <p:sp>
             <p:nvSpPr>
-              <p:cNvPr id="73" name="TextBox 72"/>
+              <p:cNvPr id="81" name="TextBox 80"/>
               <p:cNvSpPr txBox="1"/>
               <p:nvPr/>
             </p:nvSpPr>
@@ -18642,7 +19811,7 @@
           </p:sp>
           <p:sp>
             <p:nvSpPr>
-              <p:cNvPr id="74" name="TextBox 73"/>
+              <p:cNvPr id="82" name="TextBox 81"/>
               <p:cNvSpPr txBox="1"/>
               <p:nvPr/>
             </p:nvSpPr>
@@ -18697,14 +19866,14 @@
         </p:grpSp>
         <p:sp>
           <p:nvSpPr>
-            <p:cNvPr id="103" name="직사각형 102"/>
+            <p:cNvPr id="109" name="직사각형 108"/>
             <p:cNvSpPr/>
             <p:nvPr/>
           </p:nvSpPr>
           <p:spPr>
             <a:xfrm>
-              <a:off x="2178961" y="7317432"/>
-              <a:ext cx="4880694" cy="2376264"/>
+              <a:off x="11340752" y="1115266"/>
+              <a:ext cx="6840760" cy="2493754"/>
             </a:xfrm>
             <a:prstGeom prst="rect">
               <a:avLst/>
@@ -18743,21 +19912,21 @@
         </p:sp>
         <p:cxnSp>
           <p:nvCxnSpPr>
-            <p:cNvPr id="105" name="꺾인 연결선 104"/>
+            <p:cNvPr id="111" name="꺾인 연결선 110"/>
             <p:cNvCxnSpPr>
-              <a:stCxn id="71" idx="3"/>
-              <a:endCxn id="103" idx="3"/>
+              <a:stCxn id="80" idx="3"/>
+              <a:endCxn id="109" idx="3"/>
             </p:cNvCxnSpPr>
             <p:nvPr/>
           </p:nvCxnSpPr>
           <p:spPr>
             <a:xfrm flipH="1" flipV="1">
-              <a:off x="7059655" y="8505564"/>
-              <a:ext cx="1408773" cy="3502001"/>
+              <a:off x="18181512" y="2362143"/>
+              <a:ext cx="520064" cy="3165022"/>
             </a:xfrm>
             <a:prstGeom prst="bentConnector3">
               <a:avLst>
-                <a:gd name="adj1" fmla="val -16227"/>
+                <a:gd name="adj1" fmla="val -43956"/>
               </a:avLst>
             </a:prstGeom>
             <a:ln w="28575">
@@ -18782,492 +19951,6 @@
             </a:fontRef>
           </p:style>
         </p:cxnSp>
-      </p:grpSp>
-      <p:grpSp>
-        <p:nvGrpSpPr>
-          <p:cNvPr id="119" name="그룹 118"/>
-          <p:cNvGrpSpPr/>
-          <p:nvPr/>
-        </p:nvGrpSpPr>
-        <p:grpSpPr>
-          <a:xfrm>
-            <a:off x="247851" y="620688"/>
-            <a:ext cx="8640960" cy="5976664"/>
-            <a:chOff x="4084037" y="620688"/>
-            <a:chExt cx="8640960" cy="5976664"/>
-          </a:xfrm>
-        </p:grpSpPr>
-        <p:grpSp>
-          <p:nvGrpSpPr>
-            <p:cNvPr id="114" name="그룹 113"/>
-            <p:cNvGrpSpPr/>
-            <p:nvPr/>
-          </p:nvGrpSpPr>
-          <p:grpSpPr>
-            <a:xfrm>
-              <a:off x="4084037" y="620688"/>
-              <a:ext cx="8640960" cy="5976664"/>
-              <a:chOff x="11268744" y="721863"/>
-              <a:chExt cx="8640960" cy="5976664"/>
-            </a:xfrm>
-          </p:grpSpPr>
-          <p:grpSp>
-            <p:nvGrpSpPr>
-              <p:cNvPr id="75" name="그룹 74"/>
-              <p:cNvGrpSpPr/>
-              <p:nvPr/>
-            </p:nvGrpSpPr>
-            <p:grpSpPr>
-              <a:xfrm>
-                <a:off x="11268744" y="721863"/>
-                <a:ext cx="8640960" cy="5976664"/>
-                <a:chOff x="9468544" y="620688"/>
-                <a:chExt cx="8640960" cy="5976664"/>
-              </a:xfrm>
-            </p:grpSpPr>
-            <p:sp>
-              <p:nvSpPr>
-                <p:cNvPr id="76" name="직사각형 75"/>
-                <p:cNvSpPr/>
-                <p:nvPr/>
-              </p:nvSpPr>
-              <p:spPr>
-                <a:xfrm>
-                  <a:off x="9468544" y="620688"/>
-                  <a:ext cx="8640960" cy="5976664"/>
-                </a:xfrm>
-                <a:prstGeom prst="rect">
-                  <a:avLst/>
-                </a:prstGeom>
-                <a:solidFill>
-                  <a:schemeClr val="bg1"/>
-                </a:solidFill>
-                <a:ln>
-                  <a:noFill/>
-                </a:ln>
-              </p:spPr>
-              <p:style>
-                <a:lnRef idx="2">
-                  <a:schemeClr val="accent1">
-                    <a:shade val="50000"/>
-                  </a:schemeClr>
-                </a:lnRef>
-                <a:fillRef idx="1">
-                  <a:schemeClr val="accent1"/>
-                </a:fillRef>
-                <a:effectRef idx="0">
-                  <a:schemeClr val="accent1"/>
-                </a:effectRef>
-                <a:fontRef idx="minor">
-                  <a:schemeClr val="lt1"/>
-                </a:fontRef>
-              </p:style>
-              <p:txBody>
-                <a:bodyPr rtlCol="0" anchor="ctr"/>
-                <a:lstStyle/>
-                <a:p>
-                  <a:pPr algn="ctr"/>
-                  <a:endParaRPr lang="ko-KR" altLang="en-US" dirty="0"/>
-                </a:p>
-              </p:txBody>
-            </p:sp>
-            <p:pic>
-              <p:nvPicPr>
-                <p:cNvPr id="77" name="그림 76"/>
-                <p:cNvPicPr>
-                  <a:picLocks noChangeAspect="1"/>
-                </p:cNvPicPr>
-                <p:nvPr/>
-              </p:nvPicPr>
-              <p:blipFill>
-                <a:blip r:embed="rId3"/>
-                <a:stretch>
-                  <a:fillRect/>
-                </a:stretch>
-              </p:blipFill>
-              <p:spPr>
-                <a:xfrm>
-                  <a:off x="9468544" y="1115266"/>
-                  <a:ext cx="6821329" cy="2419110"/>
-                </a:xfrm>
-                <a:prstGeom prst="rect">
-                  <a:avLst/>
-                </a:prstGeom>
-              </p:spPr>
-            </p:pic>
-            <p:sp>
-              <p:nvSpPr>
-                <p:cNvPr id="78" name="TextBox 77"/>
-                <p:cNvSpPr txBox="1"/>
-                <p:nvPr/>
-              </p:nvSpPr>
-              <p:spPr>
-                <a:xfrm>
-                  <a:off x="9468544" y="4751493"/>
-                  <a:ext cx="8604448" cy="523220"/>
-                </a:xfrm>
-                <a:prstGeom prst="rect">
-                  <a:avLst/>
-                </a:prstGeom>
-                <a:noFill/>
-              </p:spPr>
-              <p:txBody>
-                <a:bodyPr wrap="square" rtlCol="0">
-                  <a:spAutoFit/>
-                </a:bodyPr>
-                <a:lstStyle/>
-                <a:p>
-                  <a:r>
-                    <a:rPr lang="ko-KR" altLang="en-US" sz="1400" dirty="0" smtClean="0"/>
-                    <a:t>○ 학생이 삭제되면 그 학생의 성적은 삭제되지 않으므로</a:t>
-                  </a:r>
-                  <a:r>
-                    <a:rPr lang="en-US" altLang="ko-KR" sz="1400" dirty="0" smtClean="0"/>
-                    <a:t>, </a:t>
-                  </a:r>
-                  <a:r>
-                    <a:rPr lang="ko-KR" altLang="en-US" sz="1400" dirty="0" smtClean="0"/>
-                    <a:t>그 학생에 대한 성적을 모두 지워지도록 </a:t>
-                  </a:r>
-                  <a:r>
-                    <a:rPr lang="en-US" altLang="ko-KR" sz="1400" dirty="0" smtClean="0"/>
-                    <a:t>Trigger</a:t>
-                  </a:r>
-                  <a:endParaRPr lang="en-US" altLang="ko-KR" sz="1400" dirty="0"/>
-                </a:p>
-                <a:p>
-                  <a:r>
-                    <a:rPr lang="en-US" altLang="ko-KR" sz="1400" dirty="0"/>
-                    <a:t> </a:t>
-                  </a:r>
-                  <a:r>
-                    <a:rPr lang="en-US" altLang="ko-KR" sz="1400" dirty="0" smtClean="0"/>
-                    <a:t>   </a:t>
-                  </a:r>
-                  <a:r>
-                    <a:rPr lang="ko-KR" altLang="en-US" sz="1400" dirty="0" smtClean="0"/>
-                    <a:t>설정해두었다</a:t>
-                  </a:r>
-                  <a:r>
-                    <a:rPr lang="en-US" altLang="ko-KR" sz="1400" dirty="0" smtClean="0"/>
-                    <a:t>.</a:t>
-                  </a:r>
-                  <a:endParaRPr lang="ko-KR" altLang="en-US" sz="1400" dirty="0"/>
-                </a:p>
-              </p:txBody>
-            </p:sp>
-            <p:sp>
-              <p:nvSpPr>
-                <p:cNvPr id="80" name="TextBox 79"/>
-                <p:cNvSpPr txBox="1"/>
-                <p:nvPr/>
-              </p:nvSpPr>
-              <p:spPr>
-                <a:xfrm>
-                  <a:off x="9598345" y="5824895"/>
-                  <a:ext cx="7360824" cy="307777"/>
-                </a:xfrm>
-                <a:prstGeom prst="rect">
-                  <a:avLst/>
-                </a:prstGeom>
-                <a:noFill/>
-              </p:spPr>
-              <p:txBody>
-                <a:bodyPr wrap="square" rtlCol="0">
-                  <a:spAutoFit/>
-                </a:bodyPr>
-                <a:lstStyle/>
-                <a:p>
-                  <a:r>
-                    <a:rPr lang="ko-KR" altLang="en-US" sz="1400" dirty="0" smtClean="0"/>
-                    <a:t>○ 학생에 대한 정보와 과목별 점수</a:t>
-                  </a:r>
-                  <a:r>
-                    <a:rPr lang="en-US" altLang="ko-KR" sz="1400" dirty="0"/>
-                    <a:t> </a:t>
-                  </a:r>
-                  <a:r>
-                    <a:rPr lang="ko-KR" altLang="en-US" sz="1400" dirty="0" smtClean="0"/>
-                    <a:t>그리고 평균 까지 한번에 볼 수 있는 </a:t>
-                  </a:r>
-                  <a:r>
-                    <a:rPr lang="en-US" altLang="ko-KR" sz="1400" dirty="0" smtClean="0"/>
-                    <a:t>view</a:t>
-                  </a:r>
-                  <a:r>
-                    <a:rPr lang="ko-KR" altLang="en-US" sz="1400" dirty="0" smtClean="0"/>
-                    <a:t>를 생성했다</a:t>
-                  </a:r>
-                  <a:r>
-                    <a:rPr lang="en-US" altLang="ko-KR" sz="1400" dirty="0" smtClean="0"/>
-                    <a:t>.</a:t>
-                  </a:r>
-                  <a:endParaRPr lang="ko-KR" altLang="en-US" sz="1400" dirty="0"/>
-                </a:p>
-              </p:txBody>
-            </p:sp>
-            <p:sp>
-              <p:nvSpPr>
-                <p:cNvPr id="81" name="TextBox 80"/>
-                <p:cNvSpPr txBox="1"/>
-                <p:nvPr/>
-              </p:nvSpPr>
-              <p:spPr>
-                <a:xfrm>
-                  <a:off x="9492372" y="4077072"/>
-                  <a:ext cx="7982254" cy="307777"/>
-                </a:xfrm>
-                <a:prstGeom prst="rect">
-                  <a:avLst/>
-                </a:prstGeom>
-                <a:noFill/>
-              </p:spPr>
-              <p:txBody>
-                <a:bodyPr wrap="square" rtlCol="0">
-                  <a:spAutoFit/>
-                </a:bodyPr>
-                <a:lstStyle/>
-                <a:p>
-                  <a:r>
-                    <a:rPr lang="ko-KR" altLang="en-US" sz="1400" dirty="0" smtClean="0"/>
-                    <a:t>○ 학생 테이블을 중점으로 학생번호가 삭제되면 그에 대한 디테일 모두 삭제되도록 </a:t>
-                  </a:r>
-                  <a:r>
-                    <a:rPr lang="en-US" altLang="ko-KR" sz="1400" dirty="0" smtClean="0"/>
-                    <a:t>cascade </a:t>
-                  </a:r>
-                  <a:r>
-                    <a:rPr lang="ko-KR" altLang="en-US" sz="1400" dirty="0" smtClean="0"/>
-                    <a:t>했다</a:t>
-                  </a:r>
-                  <a:r>
-                    <a:rPr lang="en-US" altLang="ko-KR" sz="1400" dirty="0" smtClean="0"/>
-                    <a:t>.</a:t>
-                  </a:r>
-                  <a:r>
-                    <a:rPr lang="ko-KR" altLang="en-US" sz="1400" dirty="0" smtClean="0"/>
-                    <a:t> </a:t>
-                  </a:r>
-                  <a:endParaRPr lang="ko-KR" altLang="en-US" sz="1400" dirty="0"/>
-                </a:p>
-              </p:txBody>
-            </p:sp>
-            <p:sp>
-              <p:nvSpPr>
-                <p:cNvPr id="82" name="TextBox 81"/>
-                <p:cNvSpPr txBox="1"/>
-                <p:nvPr/>
-              </p:nvSpPr>
-              <p:spPr>
-                <a:xfrm>
-                  <a:off x="9480327" y="4421496"/>
-                  <a:ext cx="7193166" cy="307777"/>
-                </a:xfrm>
-                <a:prstGeom prst="rect">
-                  <a:avLst/>
-                </a:prstGeom>
-                <a:noFill/>
-              </p:spPr>
-              <p:txBody>
-                <a:bodyPr wrap="square" rtlCol="0">
-                  <a:spAutoFit/>
-                </a:bodyPr>
-                <a:lstStyle/>
-                <a:p>
-                  <a:r>
-                    <a:rPr lang="ko-KR" altLang="en-US" sz="1400" dirty="0" smtClean="0"/>
-                    <a:t>○ 학생 추가되면 기본적으로 과목별 성적이 모두 </a:t>
-                  </a:r>
-                  <a:r>
-                    <a:rPr lang="en-US" altLang="ko-KR" sz="1400" dirty="0" smtClean="0"/>
-                    <a:t>“0”</a:t>
-                  </a:r>
-                  <a:r>
-                    <a:rPr lang="ko-KR" altLang="en-US" sz="1400" dirty="0" smtClean="0"/>
-                    <a:t>이 되도록 </a:t>
-                  </a:r>
-                  <a:r>
-                    <a:rPr lang="en-US" altLang="ko-KR" sz="1400" dirty="0" smtClean="0"/>
-                    <a:t>Trigger </a:t>
-                  </a:r>
-                  <a:r>
-                    <a:rPr lang="ko-KR" altLang="en-US" sz="1400" dirty="0" smtClean="0"/>
-                    <a:t>설정을 해두었다</a:t>
-                  </a:r>
-                  <a:r>
-                    <a:rPr lang="en-US" altLang="ko-KR" sz="1400" dirty="0" smtClean="0"/>
-                    <a:t>.</a:t>
-                  </a:r>
-                  <a:r>
-                    <a:rPr lang="ko-KR" altLang="en-US" sz="1400" dirty="0" smtClean="0"/>
-                    <a:t> </a:t>
-                  </a:r>
-                  <a:endParaRPr lang="ko-KR" altLang="en-US" sz="1400" dirty="0"/>
-                </a:p>
-              </p:txBody>
-            </p:sp>
-          </p:grpSp>
-          <p:sp>
-            <p:nvSpPr>
-              <p:cNvPr id="109" name="직사각형 108"/>
-              <p:cNvSpPr/>
-              <p:nvPr/>
-            </p:nvSpPr>
-            <p:spPr>
-              <a:xfrm>
-                <a:off x="11340752" y="1115266"/>
-                <a:ext cx="6840760" cy="2493754"/>
-              </a:xfrm>
-              <a:prstGeom prst="rect">
-                <a:avLst/>
-              </a:prstGeom>
-              <a:noFill/>
-              <a:ln w="28575">
-                <a:solidFill>
-                  <a:srgbClr val="FF0000"/>
-                </a:solidFill>
-              </a:ln>
-            </p:spPr>
-            <p:style>
-              <a:lnRef idx="2">
-                <a:schemeClr val="accent1">
-                  <a:shade val="50000"/>
-                </a:schemeClr>
-              </a:lnRef>
-              <a:fillRef idx="1">
-                <a:schemeClr val="accent1"/>
-              </a:fillRef>
-              <a:effectRef idx="0">
-                <a:schemeClr val="accent1"/>
-              </a:effectRef>
-              <a:fontRef idx="minor">
-                <a:schemeClr val="lt1"/>
-              </a:fontRef>
-            </p:style>
-            <p:txBody>
-              <a:bodyPr rtlCol="0" anchor="ctr"/>
-              <a:lstStyle/>
-              <a:p>
-                <a:pPr algn="ctr"/>
-                <a:endParaRPr lang="ko-KR" altLang="en-US"/>
-              </a:p>
-            </p:txBody>
-          </p:sp>
-          <p:cxnSp>
-            <p:nvCxnSpPr>
-              <p:cNvPr id="111" name="꺾인 연결선 110"/>
-              <p:cNvCxnSpPr>
-                <a:stCxn id="80" idx="3"/>
-                <a:endCxn id="109" idx="3"/>
-              </p:cNvCxnSpPr>
-              <p:nvPr/>
-            </p:nvCxnSpPr>
-            <p:spPr>
-              <a:xfrm flipH="1" flipV="1">
-                <a:off x="18181512" y="2362143"/>
-                <a:ext cx="577857" cy="3717816"/>
-              </a:xfrm>
-              <a:prstGeom prst="bentConnector3">
-                <a:avLst>
-                  <a:gd name="adj1" fmla="val -39560"/>
-                </a:avLst>
-              </a:prstGeom>
-              <a:ln w="28575">
-                <a:solidFill>
-                  <a:srgbClr val="FF0000"/>
-                </a:solidFill>
-                <a:tailEnd type="triangle"/>
-              </a:ln>
-            </p:spPr>
-            <p:style>
-              <a:lnRef idx="1">
-                <a:schemeClr val="accent1"/>
-              </a:lnRef>
-              <a:fillRef idx="0">
-                <a:schemeClr val="accent1"/>
-              </a:fillRef>
-              <a:effectRef idx="0">
-                <a:schemeClr val="accent1"/>
-              </a:effectRef>
-              <a:fontRef idx="minor">
-                <a:schemeClr val="tx1"/>
-              </a:fontRef>
-            </p:style>
-          </p:cxnSp>
-        </p:grpSp>
-        <p:sp>
-          <p:nvSpPr>
-            <p:cNvPr id="117" name="TextBox 116"/>
-            <p:cNvSpPr txBox="1"/>
-            <p:nvPr/>
-          </p:nvSpPr>
-          <p:spPr>
-            <a:xfrm>
-              <a:off x="4152028" y="5274713"/>
-              <a:ext cx="8345264" cy="523220"/>
-            </a:xfrm>
-            <a:prstGeom prst="rect">
-              <a:avLst/>
-            </a:prstGeom>
-            <a:noFill/>
-          </p:spPr>
-          <p:txBody>
-            <a:bodyPr wrap="square" rtlCol="0">
-              <a:spAutoFit/>
-            </a:bodyPr>
-            <a:lstStyle/>
-            <a:p>
-              <a:r>
-                <a:rPr lang="ko-KR" altLang="en-US" sz="1400" dirty="0" smtClean="0"/>
-                <a:t>○ 과목 테이블의 과목별 점수 모두 </a:t>
-              </a:r>
-              <a:r>
-                <a:rPr lang="en-US" altLang="ko-KR" sz="1400" dirty="0" err="1" smtClean="0"/>
-                <a:t>RowData</a:t>
-              </a:r>
-              <a:r>
-                <a:rPr lang="ko-KR" altLang="en-US" sz="1400" dirty="0" smtClean="0"/>
-                <a:t>로 생성되기 때문에 </a:t>
-              </a:r>
-              <a:r>
-                <a:rPr lang="en-US" altLang="ko-KR" sz="1400" dirty="0" smtClean="0"/>
-                <a:t>pivot</a:t>
-              </a:r>
-              <a:r>
-                <a:rPr lang="ko-KR" altLang="en-US" sz="1400" dirty="0" smtClean="0"/>
-                <a:t>을 사용하여 </a:t>
-              </a:r>
-              <a:r>
-                <a:rPr lang="en-US" altLang="ko-KR" sz="1400" dirty="0" smtClean="0"/>
-                <a:t>Column</a:t>
-              </a:r>
-              <a:r>
-                <a:rPr lang="ko-KR" altLang="en-US" sz="1400" dirty="0" smtClean="0"/>
-                <a:t>으로 볼 수 </a:t>
-              </a:r>
-              <a:endParaRPr lang="en-US" altLang="ko-KR" sz="1400" dirty="0"/>
-            </a:p>
-            <a:p>
-              <a:r>
-                <a:rPr lang="en-US" altLang="ko-KR" sz="1400" dirty="0"/>
-                <a:t> </a:t>
-              </a:r>
-              <a:r>
-                <a:rPr lang="en-US" altLang="ko-KR" sz="1400" dirty="0" smtClean="0"/>
-                <a:t>   </a:t>
-              </a:r>
-              <a:r>
-                <a:rPr lang="ko-KR" altLang="en-US" sz="1400" dirty="0" smtClean="0"/>
-                <a:t>있게 하였으며</a:t>
-              </a:r>
-              <a:r>
-                <a:rPr lang="en-US" altLang="ko-KR" sz="1400" dirty="0" smtClean="0"/>
-                <a:t>.</a:t>
-              </a:r>
-              <a:endParaRPr lang="ko-KR" altLang="en-US" sz="1400" dirty="0"/>
-            </a:p>
-          </p:txBody>
-        </p:sp>
       </p:grpSp>
     </p:spTree>
     <p:extLst>
@@ -19435,7 +20118,7 @@
                             </p:stCondLst>
                             <p:childTnLst>
                               <p:par>
-                                <p:cTn id="17" presetID="1" presetClass="entr" presetSubtype="0" fill="hold" nodeType="clickEffect">
+                                <p:cTn id="17" presetID="14" presetClass="entr" presetSubtype="10" fill="hold" nodeType="clickEffect">
                                   <p:stCondLst>
                                     <p:cond delay="0"/>
                                   </p:stCondLst>
@@ -19448,7 +20131,7 @@
                                           </p:stCondLst>
                                         </p:cTn>
                                         <p:tgtEl>
-                                          <p:spTgt spid="108"/>
+                                          <p:spTgt spid="114"/>
                                         </p:tgtEl>
                                         <p:attrNameLst>
                                           <p:attrName>style.visibility</p:attrName>
@@ -19458,51 +20141,14 @@
                                         <p:strVal val="visible"/>
                                       </p:to>
                                     </p:set>
-                                  </p:childTnLst>
-                                </p:cTn>
-                              </p:par>
-                            </p:childTnLst>
-                          </p:cTn>
-                        </p:par>
-                      </p:childTnLst>
-                    </p:cTn>
-                  </p:par>
-                  <p:par>
-                    <p:cTn id="19" fill="hold">
-                      <p:stCondLst>
-                        <p:cond delay="indefinite"/>
-                      </p:stCondLst>
-                      <p:childTnLst>
-                        <p:par>
-                          <p:cTn id="20" fill="hold">
-                            <p:stCondLst>
-                              <p:cond delay="0"/>
-                            </p:stCondLst>
-                            <p:childTnLst>
-                              <p:par>
-                                <p:cTn id="21" presetID="1" presetClass="entr" presetSubtype="0" fill="hold" nodeType="clickEffect">
-                                  <p:stCondLst>
-                                    <p:cond delay="0"/>
-                                  </p:stCondLst>
-                                  <p:childTnLst>
-                                    <p:set>
+                                    <p:animEffect transition="in" filter="randombar(horizontal)">
                                       <p:cBhvr>
-                                        <p:cTn id="22" dur="1" fill="hold">
-                                          <p:stCondLst>
-                                            <p:cond delay="0"/>
-                                          </p:stCondLst>
-                                        </p:cTn>
+                                        <p:cTn id="19" dur="500"/>
                                         <p:tgtEl>
-                                          <p:spTgt spid="119"/>
+                                          <p:spTgt spid="114"/>
                                         </p:tgtEl>
-                                        <p:attrNameLst>
-                                          <p:attrName>style.visibility</p:attrName>
-                                        </p:attrNameLst>
                                       </p:cBhvr>
-                                      <p:to>
-                                        <p:strVal val="visible"/>
-                                      </p:to>
-                                    </p:set>
+                                    </p:animEffect>
                                   </p:childTnLst>
                                 </p:cTn>
                               </p:par>
